--- a/lectures/E07-Greased-Lightning/E07 - Greased Lightning.pptx
+++ b/lectures/E07-Greased-Lightning/E07 - Greased Lightning.pptx
@@ -32,34 +32,11 @@
     <p:sldId id="387" r:id="rId20"/>
     <p:sldId id="389" r:id="rId21"/>
     <p:sldId id="390" r:id="rId22"/>
-    <p:sldId id="393" r:id="rId23"/>
-    <p:sldId id="395" r:id="rId24"/>
+    <p:sldId id="395" r:id="rId23"/>
+    <p:sldId id="393" r:id="rId24"/>
   </p:sldIdLst>
   <p:sldSz cx="9144000" cy="5715000" type="screen16x10"/>
   <p:notesSz cx="7099300" cy="10234613"/>
-  <p:embeddedFontLst>
-    <p:embeddedFont>
-      <p:font typeface="Minya Nouvelle" charset="0"/>
-      <p:regular r:id="rId27"/>
-      <p:bold r:id="rId28"/>
-      <p:italic r:id="rId29"/>
-      <p:boldItalic r:id="rId30"/>
-    </p:embeddedFont>
-    <p:embeddedFont>
-      <p:font typeface="Verdana" pitchFamily="34" charset="0"/>
-      <p:regular r:id="rId31"/>
-      <p:bold r:id="rId32"/>
-      <p:italic r:id="rId33"/>
-      <p:boldItalic r:id="rId34"/>
-    </p:embeddedFont>
-    <p:embeddedFont>
-      <p:font typeface="Calibri" pitchFamily="34" charset="0"/>
-      <p:regular r:id="rId35"/>
-      <p:bold r:id="rId36"/>
-      <p:italic r:id="rId37"/>
-      <p:boldItalic r:id="rId38"/>
-    </p:embeddedFont>
-  </p:embeddedFontLst>
   <p:defaultTextStyle>
     <a:defPPr>
       <a:defRPr lang="sv-SE"/>
@@ -241,7 +218,7 @@
             <a:fld id="{D591C14E-198E-48A7-ABEC-7FB80E868E55}" type="datetimeFigureOut">
               <a:rPr lang="sv-SE" smtClean="0"/>
               <a:pPr/>
-              <a:t>2012-11-26</a:t>
+              <a:t>2013-11-26</a:t>
             </a:fld>
             <a:endParaRPr lang="sv-SE"/>
           </a:p>
@@ -408,7 +385,7 @@
             <a:fld id="{188BB863-C913-48B5-BD1A-638D82A0C76B}" type="datetimeFigureOut">
               <a:rPr lang="sv-SE" smtClean="0"/>
               <a:pPr/>
-              <a:t>2012-11-26</a:t>
+              <a:t>2013-11-26</a:t>
             </a:fld>
             <a:endParaRPr lang="sv-SE"/>
           </a:p>
@@ -1148,7 +1125,7 @@
             <a:fld id="{87A2DC32-3504-46EA-A4CB-95ED6A325EDF}" type="slidenum">
               <a:rPr lang="sv-SE" smtClean="0"/>
               <a:pPr/>
-              <a:t>23</a:t>
+              <a:t>22</a:t>
             </a:fld>
             <a:endParaRPr lang="sv-SE"/>
           </a:p>
@@ -1313,7 +1290,7 @@
   <p:timing>
     <p:tnLst>
       <p:par>
-        <p:cTn id="1" dur="indefinite" restart="never" nodeType="tmRoot"/>
+        <p:cTn xmlns:p14="http://schemas.microsoft.com/office/powerpoint/2010/main" id="1" dur="indefinite" restart="never" nodeType="tmRoot"/>
       </p:par>
     </p:tnLst>
   </p:timing>
@@ -1538,7 +1515,7 @@
   <p:timing>
     <p:tnLst>
       <p:par>
-        <p:cTn id="1" dur="indefinite" restart="never" nodeType="tmRoot"/>
+        <p:cTn xmlns:p14="http://schemas.microsoft.com/office/powerpoint/2010/main" id="1" dur="indefinite" restart="never" nodeType="tmRoot"/>
       </p:par>
     </p:tnLst>
   </p:timing>
@@ -7590,7 +7567,7 @@
         <p:spPr>
           <a:xfrm>
             <a:off x="395536" y="1201316"/>
-            <a:ext cx="3950120" cy="954107"/>
+            <a:ext cx="3996131" cy="954107"/>
           </a:xfrm>
           <a:prstGeom prst="rect">
             <a:avLst/>
@@ -7613,7 +7590,7 @@
               <a:rPr lang="sv-SE" sz="2800" b="1" dirty="0" smtClean="0">
                 <a:latin typeface="Minya Nouvelle" pitchFamily="2" charset="0"/>
               </a:rPr>
-              <a:t>HT2012</a:t>
+              <a:t>HT2013</a:t>
             </a:r>
             <a:endParaRPr lang="sv-SE" sz="2800" b="1" dirty="0" smtClean="0">
               <a:latin typeface="Minya Nouvelle" pitchFamily="2" charset="0"/>
@@ -7704,7 +7681,7 @@
           </a:prstGeom>
           <a:noFill/>
           <a:extLst>
-            <a:ext uri="{909E8E84-426E-40DD-AFC4-6F175D3DCCD1}">
+            <a:ext uri="{909E8E84-426E-40dd-AFC4-6F175D3DCCD1}">
               <a14:hiddenFill xmlns:a14="http://schemas.microsoft.com/office/drawing/2010/main">
                 <a:solidFill>
                   <a:srgbClr val="FFFFFF"/>
@@ -7759,7 +7736,7 @@
   <p:timing>
     <p:tnLst>
       <p:par>
-        <p:cTn id="1" dur="indefinite" restart="never" nodeType="tmRoot"/>
+        <p:cTn xmlns:p14="http://schemas.microsoft.com/office/powerpoint/2010/main" id="1" dur="indefinite" restart="never" nodeType="tmRoot"/>
       </p:par>
     </p:tnLst>
   </p:timing>
@@ -8211,7 +8188,7 @@
           </a:prstGeom>
           <a:noFill/>
           <a:extLst>
-            <a:ext uri="{909E8E84-426E-40DD-AFC4-6F175D3DCCD1}">
+            <a:ext uri="{909E8E84-426E-40dd-AFC4-6F175D3DCCD1}">
               <a14:hiddenFill xmlns:a14="http://schemas.microsoft.com/office/drawing/2010/main">
                 <a:solidFill>
                   <a:srgbClr val="FFFFFF"/>
@@ -8234,7 +8211,7 @@
   <p:timing>
     <p:tnLst>
       <p:par>
-        <p:cTn id="1" dur="indefinite" restart="never" nodeType="tmRoot">
+        <p:cTn xmlns:p14="http://schemas.microsoft.com/office/powerpoint/2010/main" id="1" dur="indefinite" restart="never" nodeType="tmRoot">
           <p:childTnLst>
             <p:seq concurrent="1" nextAc="seek">
               <p:cTn id="2" dur="indefinite" nodeType="mainSeq">
@@ -10238,7 +10215,7 @@
           </a:prstGeom>
           <a:noFill/>
           <a:extLst>
-            <a:ext uri="{909E8E84-426E-40DD-AFC4-6F175D3DCCD1}">
+            <a:ext uri="{909E8E84-426E-40dd-AFC4-6F175D3DCCD1}">
               <a14:hiddenFill xmlns:a14="http://schemas.microsoft.com/office/drawing/2010/main">
                 <a:solidFill>
                   <a:srgbClr val="FFFFFF"/>
@@ -10296,7 +10273,7 @@
   <p:timing>
     <p:tnLst>
       <p:par>
-        <p:cTn id="1" dur="indefinite" restart="never" nodeType="tmRoot">
+        <p:cTn xmlns:p14="http://schemas.microsoft.com/office/powerpoint/2010/main" id="1" dur="indefinite" restart="never" nodeType="tmRoot">
           <p:childTnLst>
             <p:seq concurrent="1" nextAc="seek">
               <p:cTn id="2" dur="indefinite" nodeType="mainSeq">
@@ -11400,7 +11377,7 @@
           </a:prstGeom>
           <a:noFill/>
           <a:extLst>
-            <a:ext uri="{909E8E84-426E-40DD-AFC4-6F175D3DCCD1}">
+            <a:ext uri="{909E8E84-426E-40dd-AFC4-6F175D3DCCD1}">
               <a14:hiddenFill xmlns:a14="http://schemas.microsoft.com/office/drawing/2010/main">
                 <a:solidFill>
                   <a:srgbClr val="FFFFFF"/>
@@ -11970,7 +11947,7 @@
   <p:timing>
     <p:tnLst>
       <p:par>
-        <p:cTn id="1" dur="indefinite" restart="never" nodeType="tmRoot"/>
+        <p:cTn xmlns:p14="http://schemas.microsoft.com/office/powerpoint/2010/main" id="1" dur="indefinite" restart="never" nodeType="tmRoot"/>
       </p:par>
     </p:tnLst>
   </p:timing>
@@ -12048,7 +12025,7 @@
           </a:prstGeom>
           <a:noFill/>
           <a:extLst>
-            <a:ext uri="{909E8E84-426E-40DD-AFC4-6F175D3DCCD1}">
+            <a:ext uri="{909E8E84-426E-40dd-AFC4-6F175D3DCCD1}">
               <a14:hiddenFill xmlns:a14="http://schemas.microsoft.com/office/drawing/2010/main">
                 <a:solidFill>
                   <a:srgbClr val="FFFFFF"/>
@@ -12089,7 +12066,7 @@
           </a:prstGeom>
           <a:noFill/>
           <a:extLst>
-            <a:ext uri="{909E8E84-426E-40DD-AFC4-6F175D3DCCD1}">
+            <a:ext uri="{909E8E84-426E-40dd-AFC4-6F175D3DCCD1}">
               <a14:hiddenFill xmlns:a14="http://schemas.microsoft.com/office/drawing/2010/main">
                 <a:solidFill>
                   <a:srgbClr val="FFFFFF"/>
@@ -12333,7 +12310,7 @@
           </a:prstGeom>
           <a:noFill/>
           <a:extLst>
-            <a:ext uri="{909E8E84-426E-40DD-AFC4-6F175D3DCCD1}">
+            <a:ext uri="{909E8E84-426E-40dd-AFC4-6F175D3DCCD1}">
               <a14:hiddenFill xmlns:a14="http://schemas.microsoft.com/office/drawing/2010/main">
                 <a:solidFill>
                   <a:srgbClr val="FFFFFF"/>
@@ -13352,7 +13329,7 @@
   <p:timing>
     <p:tnLst>
       <p:par>
-        <p:cTn id="1" dur="indefinite" restart="never" nodeType="tmRoot">
+        <p:cTn xmlns:p14="http://schemas.microsoft.com/office/powerpoint/2010/main" id="1" dur="indefinite" restart="never" nodeType="tmRoot">
           <p:childTnLst>
             <p:seq concurrent="1" nextAc="seek">
               <p:cTn id="2" dur="indefinite" nodeType="mainSeq">
@@ -13610,7 +13587,7 @@
           </a:prstGeom>
           <a:noFill/>
           <a:extLst>
-            <a:ext uri="{909E8E84-426E-40DD-AFC4-6F175D3DCCD1}">
+            <a:ext uri="{909E8E84-426E-40dd-AFC4-6F175D3DCCD1}">
               <a14:hiddenFill xmlns:a14="http://schemas.microsoft.com/office/drawing/2010/main">
                 <a:solidFill>
                   <a:srgbClr val="FFFFFF"/>
@@ -14085,7 +14062,7 @@
   <p:timing>
     <p:tnLst>
       <p:par>
-        <p:cTn id="1" dur="indefinite" restart="never" nodeType="tmRoot"/>
+        <p:cTn xmlns:p14="http://schemas.microsoft.com/office/powerpoint/2010/main" id="1" dur="indefinite" restart="never" nodeType="tmRoot"/>
       </p:par>
     </p:tnLst>
   </p:timing>
@@ -14171,7 +14148,7 @@
           </a:prstGeom>
           <a:noFill/>
           <a:extLst>
-            <a:ext uri="{909E8E84-426E-40DD-AFC4-6F175D3DCCD1}">
+            <a:ext uri="{909E8E84-426E-40dd-AFC4-6F175D3DCCD1}">
               <a14:hiddenFill xmlns:a14="http://schemas.microsoft.com/office/drawing/2010/main">
                 <a:solidFill>
                   <a:srgbClr val="FFFFFF"/>
@@ -14786,7 +14763,7 @@
   <p:timing>
     <p:tnLst>
       <p:par>
-        <p:cTn id="1" dur="indefinite" restart="never" nodeType="tmRoot"/>
+        <p:cTn xmlns:p14="http://schemas.microsoft.com/office/powerpoint/2010/main" id="1" dur="indefinite" restart="never" nodeType="tmRoot"/>
       </p:par>
     </p:tnLst>
   </p:timing>
@@ -15535,7 +15512,7 @@
   <p:timing>
     <p:tnLst>
       <p:par>
-        <p:cTn id="1" dur="indefinite" restart="never" nodeType="tmRoot"/>
+        <p:cTn xmlns:p14="http://schemas.microsoft.com/office/powerpoint/2010/main" id="1" dur="indefinite" restart="never" nodeType="tmRoot"/>
       </p:par>
     </p:tnLst>
   </p:timing>
@@ -15918,7 +15895,7 @@
           </a:prstGeom>
           <a:noFill/>
           <a:extLst>
-            <a:ext uri="{909E8E84-426E-40DD-AFC4-6F175D3DCCD1}">
+            <a:ext uri="{909E8E84-426E-40dd-AFC4-6F175D3DCCD1}">
               <a14:hiddenFill xmlns:a14="http://schemas.microsoft.com/office/drawing/2010/main">
                 <a:solidFill>
                   <a:srgbClr val="FFFFFF"/>
@@ -15941,7 +15918,7 @@
   <p:timing>
     <p:tnLst>
       <p:par>
-        <p:cTn id="1" dur="indefinite" restart="never" nodeType="tmRoot">
+        <p:cTn xmlns:p14="http://schemas.microsoft.com/office/powerpoint/2010/main" id="1" dur="indefinite" restart="never" nodeType="tmRoot">
           <p:childTnLst>
             <p:seq concurrent="1" nextAc="seek">
               <p:cTn id="2" dur="indefinite" nodeType="mainSeq">
@@ -16792,7 +16769,7 @@
           </a:prstGeom>
           <a:noFill/>
           <a:extLst>
-            <a:ext uri="{909E8E84-426E-40DD-AFC4-6F175D3DCCD1}">
+            <a:ext uri="{909E8E84-426E-40dd-AFC4-6F175D3DCCD1}">
               <a14:hiddenFill xmlns:a14="http://schemas.microsoft.com/office/drawing/2010/main">
                 <a:solidFill>
                   <a:srgbClr val="FFFFFF"/>
@@ -16815,7 +16792,7 @@
   <p:timing>
     <p:tnLst>
       <p:par>
-        <p:cTn id="1" dur="indefinite" restart="never" nodeType="tmRoot">
+        <p:cTn xmlns:p14="http://schemas.microsoft.com/office/powerpoint/2010/main" id="1" dur="indefinite" restart="never" nodeType="tmRoot">
           <p:childTnLst>
             <p:seq concurrent="1" nextAc="seek">
               <p:cTn id="2" dur="indefinite" nodeType="mainSeq">
@@ -17381,7 +17358,7 @@
           </a:prstGeom>
           <a:noFill/>
           <a:extLst>
-            <a:ext uri="{909E8E84-426E-40DD-AFC4-6F175D3DCCD1}">
+            <a:ext uri="{909E8E84-426E-40dd-AFC4-6F175D3DCCD1}">
               <a14:hiddenFill xmlns:a14="http://schemas.microsoft.com/office/drawing/2010/main">
                 <a:solidFill>
                   <a:srgbClr val="FFFFFF"/>
@@ -17404,7 +17381,7 @@
   <p:timing>
     <p:tnLst>
       <p:par>
-        <p:cTn id="1" dur="indefinite" restart="never" nodeType="tmRoot"/>
+        <p:cTn xmlns:p14="http://schemas.microsoft.com/office/powerpoint/2010/main" id="1" dur="indefinite" restart="never" nodeType="tmRoot"/>
       </p:par>
     </p:tnLst>
   </p:timing>
@@ -17651,7 +17628,7 @@
           </a:prstGeom>
           <a:noFill/>
           <a:extLst>
-            <a:ext uri="{909E8E84-426E-40DD-AFC4-6F175D3DCCD1}">
+            <a:ext uri="{909E8E84-426E-40dd-AFC4-6F175D3DCCD1}">
               <a14:hiddenFill xmlns:a14="http://schemas.microsoft.com/office/drawing/2010/main">
                 <a:solidFill>
                   <a:srgbClr val="FFFFFF"/>
@@ -17669,7 +17646,7 @@
   <p:timing>
     <p:tnLst>
       <p:par>
-        <p:cTn id="1" dur="indefinite" restart="never" nodeType="tmRoot"/>
+        <p:cTn xmlns:p14="http://schemas.microsoft.com/office/powerpoint/2010/main" id="1" dur="indefinite" restart="never" nodeType="tmRoot"/>
       </p:par>
     </p:tnLst>
   </p:timing>
@@ -18052,35 +18029,7 @@
                 <a:latin typeface="Courier New" pitchFamily="49" charset="0"/>
                 <a:cs typeface="Courier New" pitchFamily="49" charset="0"/>
               </a:rPr>
-              <a:t>e </a:t>
-            </a:r>
-            <a:r>
-              <a:rPr lang="sv-SE" sz="1600" b="1" dirty="0" smtClean="0">
-                <a:latin typeface="Courier New" pitchFamily="49" charset="0"/>
-                <a:cs typeface="Courier New" pitchFamily="49" charset="0"/>
-              </a:rPr>
-              <a:t>= </a:t>
-            </a:r>
-            <a:r>
-              <a:rPr lang="sv-SE" sz="1600" b="1" dirty="0" smtClean="0">
-                <a:latin typeface="Courier New" pitchFamily="49" charset="0"/>
-                <a:cs typeface="Courier New" pitchFamily="49" charset="0"/>
-              </a:rPr>
-              <a:t>e </a:t>
-            </a:r>
-            <a:r>
-              <a:rPr lang="sv-SE" sz="1600" b="1" dirty="0" smtClean="0">
-                <a:latin typeface="Courier New" pitchFamily="49" charset="0"/>
-                <a:cs typeface="Courier New" pitchFamily="49" charset="0"/>
-              </a:rPr>
-              <a:t>OR e</a:t>
-            </a:r>
-            <a:r>
-              <a:rPr lang="sv-SE" sz="1600" b="1" dirty="0" smtClean="0">
-                <a:latin typeface="Courier New" pitchFamily="49" charset="0"/>
-                <a:cs typeface="Courier New" pitchFamily="49" charset="0"/>
-              </a:rPr>
-              <a:t>vent; </a:t>
+              <a:t>e = e OR event; </a:t>
             </a:r>
             <a:r>
               <a:rPr lang="sv-SE" sz="1600" dirty="0" smtClean="0">
@@ -18202,7 +18151,7 @@
           </a:prstGeom>
           <a:noFill/>
           <a:extLst>
-            <a:ext uri="{909E8E84-426E-40DD-AFC4-6F175D3DCCD1}">
+            <a:ext uri="{909E8E84-426E-40dd-AFC4-6F175D3DCCD1}">
               <a14:hiddenFill xmlns:a14="http://schemas.microsoft.com/office/drawing/2010/main">
                 <a:solidFill>
                   <a:srgbClr val="FFFFFF"/>
@@ -18225,7 +18174,7 @@
   <p:timing>
     <p:tnLst>
       <p:par>
-        <p:cTn id="1" dur="indefinite" restart="never" nodeType="tmRoot"/>
+        <p:cTn xmlns:p14="http://schemas.microsoft.com/office/powerpoint/2010/main" id="1" dur="indefinite" restart="never" nodeType="tmRoot"/>
       </p:par>
     </p:tnLst>
   </p:timing>
@@ -18806,7 +18755,7 @@
           </a:prstGeom>
           <a:noFill/>
           <a:extLst>
-            <a:ext uri="{909E8E84-426E-40DD-AFC4-6F175D3DCCD1}">
+            <a:ext uri="{909E8E84-426E-40dd-AFC4-6F175D3DCCD1}">
               <a14:hiddenFill xmlns:a14="http://schemas.microsoft.com/office/drawing/2010/main">
                 <a:solidFill>
                   <a:srgbClr val="FFFFFF"/>
@@ -18889,7 +18838,7 @@
   <p:timing>
     <p:tnLst>
       <p:par>
-        <p:cTn id="1" dur="indefinite" restart="never" nodeType="tmRoot"/>
+        <p:cTn xmlns:p14="http://schemas.microsoft.com/office/powerpoint/2010/main" id="1" dur="indefinite" restart="never" nodeType="tmRoot"/>
       </p:par>
     </p:tnLst>
   </p:timing>
@@ -18897,6 +18846,639 @@
 </file>
 
 <file path=ppt/slides/slide22.xml><?xml version="1.0" encoding="utf-8"?>
+<p:sld xmlns:a="http://schemas.openxmlformats.org/drawingml/2006/main" xmlns:r="http://schemas.openxmlformats.org/officeDocument/2006/relationships" xmlns:p="http://schemas.openxmlformats.org/presentationml/2006/main">
+  <p:cSld>
+    <p:spTree>
+      <p:nvGrpSpPr>
+        <p:cNvPr id="1" name=""/>
+        <p:cNvGrpSpPr/>
+        <p:nvPr/>
+      </p:nvGrpSpPr>
+      <p:grpSpPr>
+        <a:xfrm>
+          <a:off x="0" y="0"/>
+          <a:ext cx="0" cy="0"/>
+          <a:chOff x="0" y="0"/>
+          <a:chExt cx="0" cy="0"/>
+        </a:xfrm>
+      </p:grpSpPr>
+      <p:sp>
+        <p:nvSpPr>
+          <p:cNvPr id="2" name="Title 1"/>
+          <p:cNvSpPr>
+            <a:spLocks noGrp="1"/>
+          </p:cNvSpPr>
+          <p:nvPr>
+            <p:ph type="ctrTitle"/>
+          </p:nvPr>
+        </p:nvSpPr>
+        <p:spPr/>
+        <p:txBody>
+          <a:bodyPr/>
+          <a:lstStyle/>
+          <a:p>
+            <a:r>
+              <a:rPr lang="sv-SE" dirty="0" smtClean="0"/>
+              <a:t>Event-delegat</a:t>
+            </a:r>
+            <a:endParaRPr lang="sv-SE" dirty="0"/>
+          </a:p>
+        </p:txBody>
+      </p:sp>
+      <p:sp>
+        <p:nvSpPr>
+          <p:cNvPr id="4" name="TextBox 3"/>
+          <p:cNvSpPr txBox="1"/>
+          <p:nvPr/>
+        </p:nvSpPr>
+        <p:spPr>
+          <a:xfrm>
+            <a:off x="7308304" y="5161756"/>
+            <a:ext cx="1557488" cy="369332"/>
+          </a:xfrm>
+          <a:prstGeom prst="rect">
+            <a:avLst/>
+          </a:prstGeom>
+          <a:noFill/>
+        </p:spPr>
+        <p:txBody>
+          <a:bodyPr wrap="none" rtlCol="0">
+            <a:spAutoFit/>
+          </a:bodyPr>
+          <a:lstStyle/>
+          <a:p>
+            <a:r>
+              <a:rPr lang="en-US" dirty="0" smtClean="0">
+                <a:latin typeface="Minya Nouvelle" pitchFamily="2" charset="0"/>
+              </a:rPr>
+              <a:t>N. </a:t>
+            </a:r>
+            <a:r>
+              <a:rPr lang="en-US" dirty="0" err="1" smtClean="0">
+                <a:latin typeface="Minya Nouvelle" pitchFamily="2" charset="0"/>
+              </a:rPr>
+              <a:t>Zakas</a:t>
+            </a:r>
+            <a:r>
+              <a:rPr lang="en-US" dirty="0" smtClean="0">
+                <a:latin typeface="Minya Nouvelle" pitchFamily="2" charset="0"/>
+              </a:rPr>
+              <a:t> 498</a:t>
+            </a:r>
+            <a:endParaRPr lang="en-US" dirty="0" smtClean="0">
+              <a:latin typeface="Minya Nouvelle" pitchFamily="2" charset="0"/>
+            </a:endParaRPr>
+          </a:p>
+        </p:txBody>
+      </p:sp>
+      <p:graphicFrame>
+        <p:nvGraphicFramePr>
+          <p:cNvPr id="6" name="Table 5"/>
+          <p:cNvGraphicFramePr>
+            <a:graphicFrameLocks noGrp="1"/>
+          </p:cNvGraphicFramePr>
+          <p:nvPr>
+            <p:extLst>
+              <p:ext uri="{D42A27DB-BD31-4B8C-83A1-F6EECF244321}">
+                <p14:modId xmlns:p14="http://schemas.microsoft.com/office/powerpoint/2010/main" val="2501022295"/>
+              </p:ext>
+            </p:extLst>
+          </p:nvPr>
+        </p:nvGraphicFramePr>
+        <p:xfrm>
+          <a:off x="1043608" y="1273324"/>
+          <a:ext cx="6552728" cy="944880"/>
+        </p:xfrm>
+        <a:graphic>
+          <a:graphicData uri="http://schemas.openxmlformats.org/drawingml/2006/table">
+            <a:tbl>
+              <a:tblPr firstRow="1" bandRow="1">
+                <a:tableStyleId>{8A107856-5554-42FB-B03E-39F5DBC370BA}</a:tableStyleId>
+              </a:tblPr>
+              <a:tblGrid>
+                <a:gridCol w="3240360"/>
+                <a:gridCol w="3312368"/>
+              </a:tblGrid>
+              <a:tr h="216024">
+                <a:tc>
+                  <a:txBody>
+                    <a:bodyPr/>
+                    <a:lstStyle/>
+                    <a:p>
+                      <a:r>
+                        <a:rPr lang="sv-SE" sz="1800" b="0" dirty="0" err="1" smtClean="0"/>
+                        <a:t>event.</a:t>
+                      </a:r>
+                      <a:r>
+                        <a:rPr lang="sv-SE" sz="1800" b="1" dirty="0" err="1" smtClean="0"/>
+                        <a:t>target</a:t>
+                      </a:r>
+                      <a:endParaRPr lang="sv-SE" sz="1800" b="1" dirty="0"/>
+                    </a:p>
+                  </a:txBody>
+                  <a:tcPr/>
+                </a:tc>
+                <a:tc>
+                  <a:txBody>
+                    <a:bodyPr/>
+                    <a:lstStyle/>
+                    <a:p>
+                      <a:r>
+                        <a:rPr lang="sv-SE" sz="1600" b="0" dirty="0" smtClean="0"/>
+                        <a:t>Noden som triggat eventet</a:t>
+                      </a:r>
+                      <a:endParaRPr lang="sv-SE" sz="1600" b="0" dirty="0"/>
+                    </a:p>
+                  </a:txBody>
+                  <a:tcPr/>
+                </a:tc>
+              </a:tr>
+              <a:tr h="121528">
+                <a:tc>
+                  <a:txBody>
+                    <a:bodyPr/>
+                    <a:lstStyle/>
+                    <a:p>
+                      <a:pPr marL="0" marR="0" indent="0" algn="l" defTabSz="914400" rtl="0" eaLnBrk="1" fontAlgn="auto" latinLnBrk="0" hangingPunct="1">
+                        <a:lnSpc>
+                          <a:spcPct val="100000"/>
+                        </a:lnSpc>
+                        <a:spcBef>
+                          <a:spcPts val="0"/>
+                        </a:spcBef>
+                        <a:spcAft>
+                          <a:spcPts val="0"/>
+                        </a:spcAft>
+                        <a:buClrTx/>
+                        <a:buSzTx/>
+                        <a:buFontTx/>
+                        <a:buNone/>
+                        <a:tabLst/>
+                        <a:defRPr/>
+                      </a:pPr>
+                      <a:r>
+                        <a:rPr lang="sv-SE" sz="1800" b="0" dirty="0" err="1" smtClean="0"/>
+                        <a:t>event.</a:t>
+                      </a:r>
+                      <a:r>
+                        <a:rPr lang="sv-SE" sz="1800" b="1" dirty="0" err="1" smtClean="0"/>
+                        <a:t>currentTarget</a:t>
+                      </a:r>
+                      <a:endParaRPr lang="sv-SE" sz="1800" b="1" dirty="0"/>
+                    </a:p>
+                  </a:txBody>
+                  <a:tcPr/>
+                </a:tc>
+                <a:tc>
+                  <a:txBody>
+                    <a:bodyPr/>
+                    <a:lstStyle/>
+                    <a:p>
+                      <a:r>
+                        <a:rPr lang="sv-SE" sz="1600" dirty="0" smtClean="0"/>
+                        <a:t>Noden</a:t>
+                      </a:r>
+                      <a:r>
+                        <a:rPr lang="sv-SE" sz="1600" baseline="0" dirty="0" smtClean="0"/>
+                        <a:t> som händelsehanteraren är kopplad till.</a:t>
+                      </a:r>
+                      <a:endParaRPr lang="sv-SE" sz="1600" dirty="0"/>
+                    </a:p>
+                  </a:txBody>
+                  <a:tcPr/>
+                </a:tc>
+              </a:tr>
+            </a:tbl>
+          </a:graphicData>
+        </a:graphic>
+      </p:graphicFrame>
+      <p:sp>
+        <p:nvSpPr>
+          <p:cNvPr id="10" name="AutoShape 4"/>
+          <p:cNvSpPr>
+            <a:spLocks noChangeArrowheads="1"/>
+          </p:cNvSpPr>
+          <p:nvPr/>
+        </p:nvSpPr>
+        <p:spPr bwMode="auto">
+          <a:xfrm>
+            <a:off x="251520" y="2713484"/>
+            <a:ext cx="8569325" cy="2067712"/>
+          </a:xfrm>
+          <a:prstGeom prst="rect">
+            <a:avLst/>
+          </a:prstGeom>
+          <a:ln>
+            <a:headEnd/>
+            <a:tailEnd/>
+          </a:ln>
+        </p:spPr>
+        <p:style>
+          <a:lnRef idx="1">
+            <a:schemeClr val="accent2"/>
+          </a:lnRef>
+          <a:fillRef idx="2">
+            <a:schemeClr val="accent2"/>
+          </a:fillRef>
+          <a:effectRef idx="1">
+            <a:schemeClr val="accent2"/>
+          </a:effectRef>
+          <a:fontRef idx="minor">
+            <a:schemeClr val="dk1"/>
+          </a:fontRef>
+        </p:style>
+        <p:txBody>
+          <a:bodyPr wrap="none" anchor="ctr"/>
+          <a:lstStyle/>
+          <a:p>
+            <a:r>
+              <a:rPr lang="sv-SE" sz="1600" dirty="0">
+                <a:solidFill>
+                  <a:schemeClr val="tx1"/>
+                </a:solidFill>
+                <a:latin typeface="Courier New" pitchFamily="49" charset="0"/>
+              </a:rPr>
+              <a:t>var </a:t>
+            </a:r>
+            <a:r>
+              <a:rPr lang="sv-SE" sz="1600" dirty="0" err="1">
+                <a:solidFill>
+                  <a:schemeClr val="tx1"/>
+                </a:solidFill>
+                <a:latin typeface="Courier New" pitchFamily="49" charset="0"/>
+              </a:rPr>
+              <a:t>ul</a:t>
+            </a:r>
+            <a:r>
+              <a:rPr lang="sv-SE" sz="1600" dirty="0">
+                <a:solidFill>
+                  <a:schemeClr val="tx1"/>
+                </a:solidFill>
+                <a:latin typeface="Courier New" pitchFamily="49" charset="0"/>
+              </a:rPr>
+              <a:t> = </a:t>
+            </a:r>
+            <a:r>
+              <a:rPr lang="sv-SE" sz="1600" dirty="0" err="1">
+                <a:solidFill>
+                  <a:schemeClr val="tx1"/>
+                </a:solidFill>
+                <a:latin typeface="Courier New" pitchFamily="49" charset="0"/>
+              </a:rPr>
+              <a:t>document.querySelector</a:t>
+            </a:r>
+            <a:r>
+              <a:rPr lang="sv-SE" sz="1600" dirty="0">
+                <a:solidFill>
+                  <a:schemeClr val="tx1"/>
+                </a:solidFill>
+                <a:latin typeface="Courier New" pitchFamily="49" charset="0"/>
+              </a:rPr>
+              <a:t>("#lista");</a:t>
+            </a:r>
+          </a:p>
+          <a:p>
+            <a:endParaRPr lang="sv-SE" sz="1600" dirty="0">
+              <a:solidFill>
+                <a:schemeClr val="tx1"/>
+              </a:solidFill>
+              <a:latin typeface="Courier New" pitchFamily="49" charset="0"/>
+            </a:endParaRPr>
+          </a:p>
+          <a:p>
+            <a:r>
+              <a:rPr lang="sv-SE" sz="1600" dirty="0" err="1">
+                <a:solidFill>
+                  <a:schemeClr val="tx1"/>
+                </a:solidFill>
+                <a:latin typeface="Courier New" pitchFamily="49" charset="0"/>
+              </a:rPr>
+              <a:t>ul.onclick</a:t>
+            </a:r>
+            <a:r>
+              <a:rPr lang="sv-SE" sz="1600" dirty="0">
+                <a:solidFill>
+                  <a:schemeClr val="tx1"/>
+                </a:solidFill>
+                <a:latin typeface="Courier New" pitchFamily="49" charset="0"/>
+              </a:rPr>
+              <a:t> = </a:t>
+            </a:r>
+            <a:r>
+              <a:rPr lang="sv-SE" sz="1600" dirty="0" err="1">
+                <a:solidFill>
+                  <a:schemeClr val="tx1"/>
+                </a:solidFill>
+                <a:latin typeface="Courier New" pitchFamily="49" charset="0"/>
+              </a:rPr>
+              <a:t>function</a:t>
+            </a:r>
+            <a:r>
+              <a:rPr lang="sv-SE" sz="1600" dirty="0">
+                <a:solidFill>
+                  <a:schemeClr val="tx1"/>
+                </a:solidFill>
+                <a:latin typeface="Courier New" pitchFamily="49" charset="0"/>
+              </a:rPr>
+              <a:t>(e){</a:t>
+            </a:r>
+          </a:p>
+          <a:p>
+            <a:r>
+              <a:rPr lang="sv-SE" sz="1600" dirty="0">
+                <a:solidFill>
+                  <a:schemeClr val="tx1"/>
+                </a:solidFill>
+                <a:latin typeface="Courier New" pitchFamily="49" charset="0"/>
+              </a:rPr>
+              <a:t>    </a:t>
+            </a:r>
+            <a:r>
+              <a:rPr lang="sv-SE" sz="1600" dirty="0" err="1">
+                <a:solidFill>
+                  <a:schemeClr val="tx1"/>
+                </a:solidFill>
+                <a:latin typeface="Courier New" pitchFamily="49" charset="0"/>
+              </a:rPr>
+              <a:t>console.log</a:t>
+            </a:r>
+            <a:r>
+              <a:rPr lang="sv-SE" sz="1600" dirty="0">
+                <a:solidFill>
+                  <a:schemeClr val="tx1"/>
+                </a:solidFill>
+                <a:latin typeface="Courier New" pitchFamily="49" charset="0"/>
+              </a:rPr>
+              <a:t>(</a:t>
+            </a:r>
+            <a:r>
+              <a:rPr lang="sv-SE" sz="1600" b="1" dirty="0" err="1" smtClean="0">
+                <a:solidFill>
+                  <a:schemeClr val="tx1"/>
+                </a:solidFill>
+                <a:latin typeface="Courier New" pitchFamily="49" charset="0"/>
+              </a:rPr>
+              <a:t>e.target</a:t>
+            </a:r>
+            <a:r>
+              <a:rPr lang="sv-SE" sz="1600" dirty="0" smtClean="0">
+                <a:solidFill>
+                  <a:schemeClr val="tx1"/>
+                </a:solidFill>
+                <a:latin typeface="Courier New" pitchFamily="49" charset="0"/>
+              </a:rPr>
+              <a:t>)</a:t>
+            </a:r>
+            <a:r>
+              <a:rPr lang="sv-SE" sz="1600" dirty="0">
+                <a:solidFill>
+                  <a:schemeClr val="tx1"/>
+                </a:solidFill>
+                <a:latin typeface="Courier New" pitchFamily="49" charset="0"/>
+              </a:rPr>
+              <a:t>; /</a:t>
+            </a:r>
+            <a:r>
+              <a:rPr lang="sv-SE" sz="1600" dirty="0" smtClean="0">
+                <a:solidFill>
+                  <a:schemeClr val="tx1"/>
+                </a:solidFill>
+                <a:latin typeface="Courier New" pitchFamily="49" charset="0"/>
+              </a:rPr>
+              <a:t>/&lt;li&gt;…&lt;/li&gt;</a:t>
+            </a:r>
+            <a:endParaRPr lang="sv-SE" sz="1600" dirty="0">
+              <a:solidFill>
+                <a:schemeClr val="tx1"/>
+              </a:solidFill>
+              <a:latin typeface="Courier New" pitchFamily="49" charset="0"/>
+            </a:endParaRPr>
+          </a:p>
+          <a:p>
+            <a:r>
+              <a:rPr lang="sv-SE" sz="1600" dirty="0">
+                <a:solidFill>
+                  <a:schemeClr val="tx1"/>
+                </a:solidFill>
+                <a:latin typeface="Courier New" pitchFamily="49" charset="0"/>
+              </a:rPr>
+              <a:t>    </a:t>
+            </a:r>
+            <a:r>
+              <a:rPr lang="sv-SE" sz="1600" dirty="0" err="1">
+                <a:solidFill>
+                  <a:schemeClr val="tx1"/>
+                </a:solidFill>
+                <a:latin typeface="Courier New" pitchFamily="49" charset="0"/>
+              </a:rPr>
+              <a:t>console.log</a:t>
+            </a:r>
+            <a:r>
+              <a:rPr lang="sv-SE" sz="1600" dirty="0">
+                <a:solidFill>
+                  <a:schemeClr val="tx1"/>
+                </a:solidFill>
+                <a:latin typeface="Courier New" pitchFamily="49" charset="0"/>
+              </a:rPr>
+              <a:t>(</a:t>
+            </a:r>
+            <a:r>
+              <a:rPr lang="sv-SE" sz="1600" b="1" dirty="0" err="1" smtClean="0">
+                <a:solidFill>
+                  <a:schemeClr val="tx1"/>
+                </a:solidFill>
+                <a:latin typeface="Courier New" pitchFamily="49" charset="0"/>
+              </a:rPr>
+              <a:t>e.currentTarget</a:t>
+            </a:r>
+            <a:r>
+              <a:rPr lang="sv-SE" sz="1600" dirty="0" smtClean="0">
+                <a:solidFill>
+                  <a:schemeClr val="tx1"/>
+                </a:solidFill>
+                <a:latin typeface="Courier New" pitchFamily="49" charset="0"/>
+              </a:rPr>
+              <a:t>)</a:t>
+            </a:r>
+            <a:r>
+              <a:rPr lang="sv-SE" sz="1600" dirty="0">
+                <a:solidFill>
+                  <a:schemeClr val="tx1"/>
+                </a:solidFill>
+                <a:latin typeface="Courier New" pitchFamily="49" charset="0"/>
+              </a:rPr>
+              <a:t>; /</a:t>
+            </a:r>
+            <a:r>
+              <a:rPr lang="sv-SE" sz="1600" dirty="0" smtClean="0">
+                <a:solidFill>
+                  <a:schemeClr val="tx1"/>
+                </a:solidFill>
+                <a:latin typeface="Courier New" pitchFamily="49" charset="0"/>
+              </a:rPr>
+              <a:t>/</a:t>
+            </a:r>
+            <a:r>
+              <a:rPr lang="sv-SE" sz="1600" dirty="0">
+                <a:solidFill>
+                  <a:schemeClr val="tx1"/>
+                </a:solidFill>
+                <a:latin typeface="Courier New" pitchFamily="49" charset="0"/>
+              </a:rPr>
+              <a:t> </a:t>
+            </a:r>
+            <a:r>
+              <a:rPr lang="sv-SE" sz="1600" dirty="0" smtClean="0">
+                <a:solidFill>
+                  <a:schemeClr val="tx1"/>
+                </a:solidFill>
+                <a:latin typeface="Courier New" pitchFamily="49" charset="0"/>
+              </a:rPr>
+              <a:t>&lt;</a:t>
+            </a:r>
+            <a:r>
+              <a:rPr lang="sv-SE" sz="1600" dirty="0" err="1" smtClean="0">
+                <a:solidFill>
+                  <a:schemeClr val="tx1"/>
+                </a:solidFill>
+                <a:latin typeface="Courier New" pitchFamily="49" charset="0"/>
+              </a:rPr>
+              <a:t>ul</a:t>
+            </a:r>
+            <a:r>
+              <a:rPr lang="sv-SE" sz="1600" dirty="0" smtClean="0">
+                <a:solidFill>
+                  <a:schemeClr val="tx1"/>
+                </a:solidFill>
+                <a:latin typeface="Courier New" pitchFamily="49" charset="0"/>
+              </a:rPr>
+              <a:t>&gt;…&lt;/</a:t>
+            </a:r>
+            <a:r>
+              <a:rPr lang="sv-SE" sz="1600" dirty="0" err="1" smtClean="0">
+                <a:solidFill>
+                  <a:schemeClr val="tx1"/>
+                </a:solidFill>
+                <a:latin typeface="Courier New" pitchFamily="49" charset="0"/>
+              </a:rPr>
+              <a:t>ul</a:t>
+            </a:r>
+            <a:r>
+              <a:rPr lang="sv-SE" sz="1600" dirty="0" smtClean="0">
+                <a:solidFill>
+                  <a:schemeClr val="tx1"/>
+                </a:solidFill>
+                <a:latin typeface="Courier New" pitchFamily="49" charset="0"/>
+              </a:rPr>
+              <a:t>&gt; === </a:t>
+            </a:r>
+            <a:r>
+              <a:rPr lang="sv-SE" sz="1600" dirty="0" err="1" smtClean="0">
+                <a:solidFill>
+                  <a:schemeClr val="tx1"/>
+                </a:solidFill>
+                <a:latin typeface="Courier New" pitchFamily="49" charset="0"/>
+              </a:rPr>
+              <a:t>this</a:t>
+            </a:r>
+            <a:endParaRPr lang="sv-SE" sz="1600" dirty="0">
+              <a:solidFill>
+                <a:schemeClr val="tx1"/>
+              </a:solidFill>
+              <a:latin typeface="Courier New" pitchFamily="49" charset="0"/>
+            </a:endParaRPr>
+          </a:p>
+          <a:p>
+            <a:r>
+              <a:rPr lang="sv-SE" sz="1600" dirty="0">
+                <a:solidFill>
+                  <a:schemeClr val="tx1"/>
+                </a:solidFill>
+                <a:latin typeface="Courier New" pitchFamily="49" charset="0"/>
+              </a:rPr>
+              <a:t>    </a:t>
+            </a:r>
+          </a:p>
+          <a:p>
+            <a:r>
+              <a:rPr lang="sv-SE" sz="1600" dirty="0">
+                <a:solidFill>
+                  <a:schemeClr val="tx1"/>
+                </a:solidFill>
+                <a:latin typeface="Courier New" pitchFamily="49" charset="0"/>
+              </a:rPr>
+              <a:t>    </a:t>
+            </a:r>
+            <a:r>
+              <a:rPr lang="sv-SE" sz="1600" dirty="0" err="1">
+                <a:solidFill>
+                  <a:schemeClr val="tx1"/>
+                </a:solidFill>
+                <a:latin typeface="Courier New" pitchFamily="49" charset="0"/>
+              </a:rPr>
+              <a:t>console.log</a:t>
+            </a:r>
+            <a:r>
+              <a:rPr lang="sv-SE" sz="1600" dirty="0">
+                <a:solidFill>
+                  <a:schemeClr val="tx1"/>
+                </a:solidFill>
+                <a:latin typeface="Courier New" pitchFamily="49" charset="0"/>
+              </a:rPr>
+              <a:t>(</a:t>
+            </a:r>
+            <a:r>
+              <a:rPr lang="sv-SE" sz="1600" dirty="0" err="1">
+                <a:solidFill>
+                  <a:schemeClr val="tx1"/>
+                </a:solidFill>
+                <a:latin typeface="Courier New" pitchFamily="49" charset="0"/>
+              </a:rPr>
+              <a:t>e.target.firstChild.nodeValue</a:t>
+            </a:r>
+            <a:r>
+              <a:rPr lang="sv-SE" sz="1600" dirty="0">
+                <a:solidFill>
+                  <a:schemeClr val="tx1"/>
+                </a:solidFill>
+                <a:latin typeface="Courier New" pitchFamily="49" charset="0"/>
+              </a:rPr>
+              <a:t>);</a:t>
+            </a:r>
+          </a:p>
+          <a:p>
+            <a:r>
+              <a:rPr lang="sv-SE" sz="1600" dirty="0">
+                <a:solidFill>
+                  <a:schemeClr val="tx1"/>
+                </a:solidFill>
+                <a:latin typeface="Courier New" pitchFamily="49" charset="0"/>
+              </a:rPr>
+              <a:t>};</a:t>
+            </a:r>
+            <a:endParaRPr lang="sv-SE" sz="1600" dirty="0">
+              <a:solidFill>
+                <a:schemeClr val="tx1"/>
+              </a:solidFill>
+              <a:latin typeface="Courier New" pitchFamily="49" charset="0"/>
+            </a:endParaRPr>
+          </a:p>
+        </p:txBody>
+      </p:sp>
+    </p:spTree>
+    <p:extLst>
+      <p:ext uri="{BB962C8B-B14F-4D97-AF65-F5344CB8AC3E}">
+        <p14:creationId xmlns:p14="http://schemas.microsoft.com/office/powerpoint/2010/main" val="3073364246"/>
+      </p:ext>
+    </p:extLst>
+  </p:cSld>
+  <p:clrMapOvr>
+    <a:masterClrMapping/>
+  </p:clrMapOvr>
+</p:sld>
+</file>
+
+<file path=ppt/slides/slide23.xml><?xml version="1.0" encoding="utf-8"?>
 <p:sld xmlns:a="http://schemas.openxmlformats.org/drawingml/2006/main" xmlns:r="http://schemas.openxmlformats.org/officeDocument/2006/relationships" xmlns:p="http://schemas.openxmlformats.org/presentationml/2006/main">
   <p:cSld>
     <p:spTree>
@@ -18979,7 +19561,7 @@
           </a:prstGeom>
           <a:noFill/>
           <a:extLst>
-            <a:ext uri="{909E8E84-426E-40DD-AFC4-6F175D3DCCD1}">
+            <a:ext uri="{909E8E84-426E-40dd-AFC4-6F175D3DCCD1}">
               <a14:hiddenFill xmlns:a14="http://schemas.microsoft.com/office/drawing/2010/main">
                 <a:solidFill>
                   <a:srgbClr val="FFFFFF"/>
@@ -19030,95 +19612,6 @@
     <p:extLst>
       <p:ext uri="{BB962C8B-B14F-4D97-AF65-F5344CB8AC3E}">
         <p14:creationId xmlns:p14="http://schemas.microsoft.com/office/powerpoint/2010/main" val="3760303063"/>
-      </p:ext>
-    </p:extLst>
-  </p:cSld>
-  <p:clrMapOvr>
-    <a:masterClrMapping/>
-  </p:clrMapOvr>
-</p:sld>
-</file>
-
-<file path=ppt/slides/slide23.xml><?xml version="1.0" encoding="utf-8"?>
-<p:sld xmlns:a="http://schemas.openxmlformats.org/drawingml/2006/main" xmlns:r="http://schemas.openxmlformats.org/officeDocument/2006/relationships" xmlns:p="http://schemas.openxmlformats.org/presentationml/2006/main">
-  <p:cSld>
-    <p:spTree>
-      <p:nvGrpSpPr>
-        <p:cNvPr id="1" name=""/>
-        <p:cNvGrpSpPr/>
-        <p:nvPr/>
-      </p:nvGrpSpPr>
-      <p:grpSpPr>
-        <a:xfrm>
-          <a:off x="0" y="0"/>
-          <a:ext cx="0" cy="0"/>
-          <a:chOff x="0" y="0"/>
-          <a:chExt cx="0" cy="0"/>
-        </a:xfrm>
-      </p:grpSpPr>
-      <p:sp>
-        <p:nvSpPr>
-          <p:cNvPr id="2" name="Title 1"/>
-          <p:cNvSpPr>
-            <a:spLocks noGrp="1"/>
-          </p:cNvSpPr>
-          <p:nvPr>
-            <p:ph type="ctrTitle"/>
-          </p:nvPr>
-        </p:nvSpPr>
-        <p:spPr/>
-        <p:txBody>
-          <a:bodyPr/>
-          <a:lstStyle/>
-          <a:p>
-            <a:r>
-              <a:rPr lang="sv-SE" dirty="0" smtClean="0"/>
-              <a:t>Delegater</a:t>
-            </a:r>
-            <a:endParaRPr lang="sv-SE" dirty="0"/>
-          </a:p>
-        </p:txBody>
-      </p:sp>
-      <p:sp>
-        <p:nvSpPr>
-          <p:cNvPr id="3" name="Subtitle 2"/>
-          <p:cNvSpPr>
-            <a:spLocks noGrp="1"/>
-          </p:cNvSpPr>
-          <p:nvPr>
-            <p:ph type="subTitle" idx="1"/>
-          </p:nvPr>
-        </p:nvSpPr>
-        <p:spPr/>
-        <p:txBody>
-          <a:bodyPr/>
-          <a:lstStyle/>
-          <a:p>
-            <a:r>
-              <a:rPr lang="sv-SE" dirty="0" smtClean="0"/>
-              <a:t>Lägg till en del kring delegat.</a:t>
-            </a:r>
-          </a:p>
-          <a:p>
-            <a:endParaRPr lang="sv-SE" dirty="0"/>
-          </a:p>
-          <a:p>
-            <a:r>
-              <a:rPr lang="sv-SE" dirty="0" smtClean="0"/>
-              <a:t>Sid </a:t>
-            </a:r>
-            <a:r>
-              <a:rPr lang="sv-SE" dirty="0" smtClean="0"/>
-              <a:t>498.</a:t>
-            </a:r>
-            <a:endParaRPr lang="sv-SE" dirty="0"/>
-          </a:p>
-        </p:txBody>
-      </p:sp>
-    </p:spTree>
-    <p:extLst>
-      <p:ext uri="{BB962C8B-B14F-4D97-AF65-F5344CB8AC3E}">
-        <p14:creationId xmlns:p14="http://schemas.microsoft.com/office/powerpoint/2010/main" val="3073364246"/>
       </p:ext>
     </p:extLst>
   </p:cSld>
@@ -19235,7 +19728,7 @@
           </a:prstGeom>
           <a:noFill/>
           <a:extLst>
-            <a:ext uri="{909E8E84-426E-40DD-AFC4-6F175D3DCCD1}">
+            <a:ext uri="{909E8E84-426E-40dd-AFC4-6F175D3DCCD1}">
               <a14:hiddenFill xmlns:a14="http://schemas.microsoft.com/office/drawing/2010/main">
                 <a:solidFill>
                   <a:srgbClr val="FFFFFF"/>
@@ -19458,14 +19951,14 @@
                 <a:latin typeface="Courier New" pitchFamily="49" charset="0"/>
                 <a:cs typeface="Courier New" pitchFamily="49" charset="0"/>
               </a:rPr>
-              <a:t>document.getElementById</a:t>
-            </a:r>
-            <a:r>
-              <a:rPr lang="sv-SE" sz="1400" dirty="0" smtClean="0">
-                <a:latin typeface="Courier New" pitchFamily="49" charset="0"/>
-                <a:cs typeface="Courier New" pitchFamily="49" charset="0"/>
-              </a:rPr>
-              <a:t>("</a:t>
+              <a:t>document.querySelector</a:t>
+            </a:r>
+            <a:r>
+              <a:rPr lang="sv-SE" sz="1400" dirty="0">
+                <a:latin typeface="Courier New" pitchFamily="49" charset="0"/>
+                <a:cs typeface="Courier New" pitchFamily="49" charset="0"/>
+              </a:rPr>
+              <a:t>("#</a:t>
             </a:r>
             <a:r>
               <a:rPr lang="sv-SE" sz="1400" dirty="0" err="1" smtClean="0">
@@ -20109,7 +20602,7 @@
           </a:prstGeom>
           <a:noFill/>
           <a:extLst>
-            <a:ext uri="{909E8E84-426E-40DD-AFC4-6F175D3DCCD1}">
+            <a:ext uri="{909E8E84-426E-40dd-AFC4-6F175D3DCCD1}">
               <a14:hiddenFill xmlns:a14="http://schemas.microsoft.com/office/drawing/2010/main">
                 <a:solidFill>
                   <a:srgbClr val="FFFFFF"/>
@@ -20150,7 +20643,7 @@
           </a:prstGeom>
           <a:noFill/>
           <a:extLst>
-            <a:ext uri="{909E8E84-426E-40DD-AFC4-6F175D3DCCD1}">
+            <a:ext uri="{909E8E84-426E-40dd-AFC4-6F175D3DCCD1}">
               <a14:hiddenFill xmlns:a14="http://schemas.microsoft.com/office/drawing/2010/main">
                 <a:solidFill>
                   <a:srgbClr val="FFFFFF"/>
@@ -20343,8 +20836,13 @@
             </a:r>
             <a:r>
               <a:rPr lang="sv-SE" sz="1800" dirty="0" smtClean="0"/>
-              <a:t> i IE &lt;= 7. Undvik därför:</a:t>
-            </a:r>
+              <a:t> i IE &lt;= </a:t>
+            </a:r>
+            <a:r>
+              <a:rPr lang="sv-SE" sz="1800" dirty="0" smtClean="0"/>
+              <a:t>7. Annars kan vi skriva:</a:t>
+            </a:r>
+            <a:endParaRPr lang="sv-SE" sz="1800" dirty="0" smtClean="0"/>
           </a:p>
           <a:p>
             <a:endParaRPr lang="sv-SE" sz="2000" dirty="0" smtClean="0"/>
@@ -20364,7 +20862,7 @@
   <p:timing>
     <p:tnLst>
       <p:par>
-        <p:cTn id="1" dur="indefinite" restart="never" nodeType="tmRoot">
+        <p:cTn xmlns:p14="http://schemas.microsoft.com/office/powerpoint/2010/main" id="1" dur="indefinite" restart="never" nodeType="tmRoot">
           <p:childTnLst>
             <p:seq concurrent="1" nextAc="seek">
               <p:cTn id="2" dur="indefinite" nodeType="mainSeq">
@@ -20674,7 +21172,7 @@
           </a:prstGeom>
           <a:noFill/>
           <a:extLst>
-            <a:ext uri="{909E8E84-426E-40DD-AFC4-6F175D3DCCD1}">
+            <a:ext uri="{909E8E84-426E-40dd-AFC4-6F175D3DCCD1}">
               <a14:hiddenFill xmlns:a14="http://schemas.microsoft.com/office/drawing/2010/main">
                 <a:solidFill>
                   <a:srgbClr val="FFFFFF"/>
@@ -20954,7 +21452,7 @@
   <p:timing>
     <p:tnLst>
       <p:par>
-        <p:cTn id="1" dur="indefinite" restart="never" nodeType="tmRoot"/>
+        <p:cTn xmlns:p14="http://schemas.microsoft.com/office/powerpoint/2010/main" id="1" dur="indefinite" restart="never" nodeType="tmRoot"/>
       </p:par>
     </p:tnLst>
   </p:timing>
@@ -21863,7 +22361,7 @@
           </a:prstGeom>
           <a:noFill/>
           <a:extLst>
-            <a:ext uri="{909E8E84-426E-40DD-AFC4-6F175D3DCCD1}">
+            <a:ext uri="{909E8E84-426E-40dd-AFC4-6F175D3DCCD1}">
               <a14:hiddenFill xmlns:a14="http://schemas.microsoft.com/office/drawing/2010/main">
                 <a:solidFill>
                   <a:srgbClr val="FFFFFF"/>
@@ -21904,7 +22402,7 @@
           </a:prstGeom>
           <a:noFill/>
           <a:extLst>
-            <a:ext uri="{909E8E84-426E-40DD-AFC4-6F175D3DCCD1}">
+            <a:ext uri="{909E8E84-426E-40dd-AFC4-6F175D3DCCD1}">
               <a14:hiddenFill xmlns:a14="http://schemas.microsoft.com/office/drawing/2010/main">
                 <a:solidFill>
                   <a:srgbClr val="FFFFFF"/>
@@ -22105,13 +22603,8 @@
             </a:r>
             <a:r>
               <a:rPr lang="sv-SE" sz="1800" dirty="0" smtClean="0"/>
-              <a:t> i IE &lt;= </a:t>
-            </a:r>
-            <a:r>
-              <a:rPr lang="sv-SE" sz="1800" dirty="0" smtClean="0"/>
-              <a:t>7.</a:t>
-            </a:r>
-            <a:endParaRPr lang="sv-SE" sz="1800" dirty="0" smtClean="0"/>
+              <a:t> i IE &lt;= 7.</a:t>
+            </a:r>
           </a:p>
         </p:txBody>
       </p:sp>
@@ -22146,7 +22639,7 @@
           </a:prstGeom>
           <a:noFill/>
           <a:extLst>
-            <a:ext uri="{909E8E84-426E-40DD-AFC4-6F175D3DCCD1}">
+            <a:ext uri="{909E8E84-426E-40dd-AFC4-6F175D3DCCD1}">
               <a14:hiddenFill xmlns:a14="http://schemas.microsoft.com/office/drawing/2010/main">
                 <a:solidFill>
                   <a:srgbClr val="FFFFFF"/>
@@ -22169,7 +22662,7 @@
   <p:timing>
     <p:tnLst>
       <p:par>
-        <p:cTn id="1" dur="indefinite" restart="never" nodeType="tmRoot">
+        <p:cTn xmlns:p14="http://schemas.microsoft.com/office/powerpoint/2010/main" id="1" dur="indefinite" restart="never" nodeType="tmRoot">
           <p:childTnLst>
             <p:seq concurrent="1" nextAc="seek">
               <p:cTn id="2" dur="indefinite" nodeType="mainSeq">
@@ -23030,12 +23523,6 @@
               </a:rPr>
               <a:t>5+</a:t>
             </a:r>
-            <a:r>
-              <a:rPr lang="sv-SE" sz="1200" dirty="0" smtClean="0">
-                <a:latin typeface="Minya Nouvelle" pitchFamily="2" charset="0"/>
-              </a:rPr>
-              <a:t/>
-            </a:r>
             <a:br>
               <a:rPr lang="sv-SE" sz="1200" dirty="0" smtClean="0">
                 <a:latin typeface="Minya Nouvelle" pitchFamily="2" charset="0"/>
@@ -23075,9 +23562,6 @@
               </a:rPr>
               <a:t>Opera 11.5+</a:t>
             </a:r>
-            <a:endParaRPr lang="sv-SE" sz="1200" dirty="0" smtClean="0">
-              <a:latin typeface="Minya Nouvelle" pitchFamily="2" charset="0"/>
-            </a:endParaRPr>
           </a:p>
         </p:txBody>
       </p:sp>
@@ -23362,7 +23846,7 @@
           </a:prstGeom>
           <a:noFill/>
           <a:extLst>
-            <a:ext uri="{909E8E84-426E-40DD-AFC4-6F175D3DCCD1}">
+            <a:ext uri="{909E8E84-426E-40dd-AFC4-6F175D3DCCD1}">
               <a14:hiddenFill xmlns:a14="http://schemas.microsoft.com/office/drawing/2010/main">
                 <a:solidFill>
                   <a:srgbClr val="FFFFFF"/>
@@ -23768,7 +24252,7 @@
   <p:timing>
     <p:tnLst>
       <p:par>
-        <p:cTn id="1" dur="indefinite" restart="never" nodeType="tmRoot"/>
+        <p:cTn xmlns:p14="http://schemas.microsoft.com/office/powerpoint/2010/main" id="1" dur="indefinite" restart="never" nodeType="tmRoot"/>
       </p:par>
     </p:tnLst>
   </p:timing>
@@ -24517,7 +25001,7 @@
           </a:prstGeom>
           <a:noFill/>
           <a:extLst>
-            <a:ext uri="{909E8E84-426E-40DD-AFC4-6F175D3DCCD1}">
+            <a:ext uri="{909E8E84-426E-40dd-AFC4-6F175D3DCCD1}">
               <a14:hiddenFill xmlns:a14="http://schemas.microsoft.com/office/drawing/2010/main">
                 <a:solidFill>
                   <a:srgbClr val="FFFFFF"/>
@@ -24540,7 +25024,7 @@
   <p:timing>
     <p:tnLst>
       <p:par>
-        <p:cTn id="1" dur="indefinite" restart="never" nodeType="tmRoot">
+        <p:cTn xmlns:p14="http://schemas.microsoft.com/office/powerpoint/2010/main" id="1" dur="indefinite" restart="never" nodeType="tmRoot">
           <p:childTnLst>
             <p:seq concurrent="1" nextAc="seek">
               <p:cTn id="2" dur="indefinite" nodeType="mainSeq">
@@ -25214,7 +25698,7 @@
           </a:prstGeom>
           <a:noFill/>
           <a:extLst>
-            <a:ext uri="{909E8E84-426E-40DD-AFC4-6F175D3DCCD1}">
+            <a:ext uri="{909E8E84-426E-40dd-AFC4-6F175D3DCCD1}">
               <a14:hiddenFill xmlns:a14="http://schemas.microsoft.com/office/drawing/2010/main">
                 <a:solidFill>
                   <a:srgbClr val="FFFFFF"/>
@@ -25237,7 +25721,7 @@
   <p:timing>
     <p:tnLst>
       <p:par>
-        <p:cTn id="1" dur="indefinite" restart="never" nodeType="tmRoot"/>
+        <p:cTn xmlns:p14="http://schemas.microsoft.com/office/powerpoint/2010/main" id="1" dur="indefinite" restart="never" nodeType="tmRoot"/>
       </p:par>
     </p:tnLst>
   </p:timing>

--- a/lectures/E07-Greased-Lightning/E07 - Greased Lightning.pptx
+++ b/lectures/E07-Greased-Lightning/E07 - Greased Lightning.pptx
@@ -18029,7 +18029,28 @@
                 <a:latin typeface="Courier New" pitchFamily="49" charset="0"/>
                 <a:cs typeface="Courier New" pitchFamily="49" charset="0"/>
               </a:rPr>
-              <a:t>e = e OR event; </a:t>
+              <a:t>e = </a:t>
+            </a:r>
+            <a:r>
+              <a:rPr lang="sv-SE" sz="1600" b="1" smtClean="0">
+                <a:latin typeface="Courier New" pitchFamily="49" charset="0"/>
+                <a:cs typeface="Courier New" pitchFamily="49" charset="0"/>
+              </a:rPr>
+              <a:t>e </a:t>
+            </a:r>
+            <a:r>
+              <a:rPr lang="sv-SE" sz="1600" b="1" smtClean="0">
+                <a:latin typeface="Courier New" pitchFamily="49" charset="0"/>
+                <a:cs typeface="Courier New" pitchFamily="49" charset="0"/>
+              </a:rPr>
+              <a:t>|| </a:t>
+            </a:r>
+            <a:r>
+              <a:rPr lang="sv-SE" sz="1600" b="1" dirty="0" smtClean="0">
+                <a:latin typeface="Courier New" pitchFamily="49" charset="0"/>
+                <a:cs typeface="Courier New" pitchFamily="49" charset="0"/>
+              </a:rPr>
+              <a:t>event; </a:t>
             </a:r>
             <a:r>
               <a:rPr lang="sv-SE" sz="1600" dirty="0" smtClean="0">

--- a/lectures/E07-Greased-Lightning/E07 - Greased Lightning.pptx
+++ b/lectures/E07-Greased-Lightning/E07 - Greased Lightning.pptx
@@ -218,7 +218,7 @@
             <a:fld id="{D591C14E-198E-48A7-ABEC-7FB80E868E55}" type="datetimeFigureOut">
               <a:rPr lang="sv-SE" smtClean="0"/>
               <a:pPr/>
-              <a:t>2013-11-26</a:t>
+              <a:t>14-11-18</a:t>
             </a:fld>
             <a:endParaRPr lang="sv-SE"/>
           </a:p>
@@ -385,7 +385,7 @@
             <a:fld id="{188BB863-C913-48B5-BD1A-638D82A0C76B}" type="datetimeFigureOut">
               <a:rPr lang="sv-SE" smtClean="0"/>
               <a:pPr/>
-              <a:t>2013-11-26</a:t>
+              <a:t>14-11-18</a:t>
             </a:fld>
             <a:endParaRPr lang="sv-SE"/>
           </a:p>
@@ -7590,7 +7590,7 @@
               <a:rPr lang="sv-SE" sz="2800" b="1" dirty="0" smtClean="0">
                 <a:latin typeface="Minya Nouvelle" pitchFamily="2" charset="0"/>
               </a:rPr>
-              <a:t>HT2013</a:t>
+              <a:t>HT2014</a:t>
             </a:r>
             <a:endParaRPr lang="sv-SE" sz="2800" b="1" dirty="0" smtClean="0">
               <a:latin typeface="Minya Nouvelle" pitchFamily="2" charset="0"/>
@@ -7650,47 +7650,6 @@
           </a:p>
         </p:txBody>
       </p:sp>
-      <p:pic>
-        <p:nvPicPr>
-          <p:cNvPr id="115714" name="Picture 2" descr="C:\Dropbox\Avatar\Avatar228x228.jpg"/>
-          <p:cNvPicPr>
-            <a:picLocks noChangeAspect="1" noChangeArrowheads="1"/>
-          </p:cNvPicPr>
-          <p:nvPr/>
-        </p:nvPicPr>
-        <p:blipFill>
-          <a:blip r:embed="rId2">
-            <a:extLst>
-              <a:ext uri="{28A0092B-C50C-407E-A947-70E740481C1C}">
-                <a14:useLocalDpi xmlns:a14="http://schemas.microsoft.com/office/drawing/2010/main" val="0"/>
-              </a:ext>
-            </a:extLst>
-          </a:blip>
-          <a:srcRect/>
-          <a:stretch>
-            <a:fillRect/>
-          </a:stretch>
-        </p:blipFill>
-        <p:spPr bwMode="auto">
-          <a:xfrm>
-            <a:off x="5508104" y="2137420"/>
-            <a:ext cx="2736304" cy="2736304"/>
-          </a:xfrm>
-          <a:prstGeom prst="rect">
-            <a:avLst/>
-          </a:prstGeom>
-          <a:noFill/>
-          <a:extLst>
-            <a:ext uri="{909E8E84-426E-40dd-AFC4-6F175D3DCCD1}">
-              <a14:hiddenFill xmlns:a14="http://schemas.microsoft.com/office/drawing/2010/main">
-                <a:solidFill>
-                  <a:srgbClr val="FFFFFF"/>
-                </a:solidFill>
-              </a14:hiddenFill>
-            </a:ext>
-          </a:extLst>
-        </p:spPr>
-      </p:pic>
       <p:sp>
         <p:nvSpPr>
           <p:cNvPr id="4" name="TextBox 3"/>
@@ -7723,6 +7682,36 @@
           </a:p>
         </p:txBody>
       </p:sp>
+      <p:pic>
+        <p:nvPicPr>
+          <p:cNvPr id="7" name="Picture 6" descr="square.jpg"/>
+          <p:cNvPicPr>
+            <a:picLocks noChangeAspect="1"/>
+          </p:cNvPicPr>
+          <p:nvPr/>
+        </p:nvPicPr>
+        <p:blipFill>
+          <a:blip r:embed="rId2" cstate="print">
+            <a:extLst>
+              <a:ext uri="{28A0092B-C50C-407E-A947-70E740481C1C}">
+                <a14:useLocalDpi xmlns:a14="http://schemas.microsoft.com/office/drawing/2010/main" val="0"/>
+              </a:ext>
+            </a:extLst>
+          </a:blip>
+          <a:stretch>
+            <a:fillRect/>
+          </a:stretch>
+        </p:blipFill>
+        <p:spPr>
+          <a:xfrm>
+            <a:off x="5580112" y="2137420"/>
+            <a:ext cx="2641476" cy="2641476"/>
+          </a:xfrm>
+          <a:prstGeom prst="rect">
+            <a:avLst/>
+          </a:prstGeom>
+        </p:spPr>
+      </p:pic>
     </p:spTree>
     <p:extLst>
       <p:ext uri="{BB962C8B-B14F-4D97-AF65-F5344CB8AC3E}">
@@ -18036,14 +18025,7 @@
                 <a:latin typeface="Courier New" pitchFamily="49" charset="0"/>
                 <a:cs typeface="Courier New" pitchFamily="49" charset="0"/>
               </a:rPr>
-              <a:t>e </a:t>
-            </a:r>
-            <a:r>
-              <a:rPr lang="sv-SE" sz="1600" b="1" smtClean="0">
-                <a:latin typeface="Courier New" pitchFamily="49" charset="0"/>
-                <a:cs typeface="Courier New" pitchFamily="49" charset="0"/>
-              </a:rPr>
-              <a:t>|| </a:t>
+              <a:t>e || </a:t>
             </a:r>
             <a:r>
               <a:rPr lang="sv-SE" sz="1600" b="1" dirty="0" smtClean="0">
@@ -18605,41 +18587,29 @@
               <a:t>	</a:t>
             </a:r>
             <a:r>
-              <a:rPr lang="sv-SE" sz="1600" dirty="0" err="1">
+              <a:rPr lang="sv-SE" sz="1600" dirty="0" err="1" smtClean="0">
                 <a:solidFill>
                   <a:schemeClr val="tx1"/>
                 </a:solidFill>
                 <a:latin typeface="Courier New" pitchFamily="49" charset="0"/>
               </a:rPr>
-              <a:t>return</a:t>
-            </a:r>
-            <a:r>
-              <a:rPr lang="sv-SE" sz="1600" dirty="0">
+              <a:t>e.preventDefault</a:t>
+            </a:r>
+            <a:r>
+              <a:rPr lang="sv-SE" sz="1600" dirty="0" smtClean="0">
                 <a:solidFill>
                   <a:schemeClr val="tx1"/>
                 </a:solidFill>
                 <a:latin typeface="Courier New" pitchFamily="49" charset="0"/>
               </a:rPr>
-              <a:t> </a:t>
-            </a:r>
-            <a:r>
-              <a:rPr lang="sv-SE" sz="1600" dirty="0" err="1">
-                <a:solidFill>
-                  <a:schemeClr val="tx1"/>
-                </a:solidFill>
-                <a:latin typeface="Courier New" pitchFamily="49" charset="0"/>
-              </a:rPr>
-              <a:t>false</a:t>
-            </a:r>
-            <a:r>
-              <a:rPr lang="sv-SE" sz="1600" dirty="0">
-                <a:solidFill>
-                  <a:schemeClr val="tx1"/>
-                </a:solidFill>
-                <a:latin typeface="Courier New" pitchFamily="49" charset="0"/>
-              </a:rPr>
-              <a:t>;</a:t>
-            </a:r>
+              <a:t>();</a:t>
+            </a:r>
+            <a:endParaRPr lang="sv-SE" sz="1600" dirty="0">
+              <a:solidFill>
+                <a:schemeClr val="tx1"/>
+              </a:solidFill>
+              <a:latin typeface="Courier New" pitchFamily="49" charset="0"/>
+            </a:endParaRPr>
           </a:p>
           <a:p>
             <a:r>
@@ -18662,8 +18632,8 @@
         </p:nvSpPr>
         <p:spPr>
           <a:xfrm>
-            <a:off x="5427744" y="3721596"/>
-            <a:ext cx="3392728" cy="923330"/>
+            <a:off x="6084168" y="3721596"/>
+            <a:ext cx="3059832" cy="923330"/>
           </a:xfrm>
           <a:prstGeom prst="rect">
             <a:avLst/>
@@ -18686,7 +18656,25 @@
                 </a:solidFill>
                 <a:latin typeface="Minya Nouvelle" pitchFamily="2" charset="0"/>
               </a:rPr>
-              <a:t>Genom att returnera </a:t>
+              <a:t>Vi hindrar bokstaven </a:t>
+            </a:r>
+            <a:r>
+              <a:rPr lang="sv-SE" dirty="0" smtClean="0">
+                <a:solidFill>
+                  <a:srgbClr val="FF0000"/>
+                </a:solidFill>
+                <a:latin typeface="Minya Nouvelle" pitchFamily="2" charset="0"/>
+              </a:rPr>
+              <a:t>från att skrivas </a:t>
+            </a:r>
+            <a:r>
+              <a:rPr lang="sv-SE" dirty="0" smtClean="0">
+                <a:solidFill>
+                  <a:srgbClr val="FF0000"/>
+                </a:solidFill>
+                <a:latin typeface="Minya Nouvelle" pitchFamily="2" charset="0"/>
+              </a:rPr>
+              <a:t>ut. ”</a:t>
             </a:r>
             <a:r>
               <a:rPr lang="sv-SE" dirty="0" err="1" smtClean="0">
@@ -18695,6 +18683,24 @@
                 </a:solidFill>
                 <a:latin typeface="Minya Nouvelle" pitchFamily="2" charset="0"/>
               </a:rPr>
+              <a:t>return</a:t>
+            </a:r>
+            <a:r>
+              <a:rPr lang="sv-SE" dirty="0" smtClean="0">
+                <a:solidFill>
+                  <a:srgbClr val="FF0000"/>
+                </a:solidFill>
+                <a:latin typeface="Minya Nouvelle" pitchFamily="2" charset="0"/>
+              </a:rPr>
+              <a:t> </a:t>
+            </a:r>
+            <a:r>
+              <a:rPr lang="sv-SE" dirty="0" err="1" smtClean="0">
+                <a:solidFill>
+                  <a:srgbClr val="FF0000"/>
+                </a:solidFill>
+                <a:latin typeface="Minya Nouvelle" pitchFamily="2" charset="0"/>
+              </a:rPr>
               <a:t>false</a:t>
             </a:r>
             <a:r>
@@ -18704,8 +18710,14 @@
                 </a:solidFill>
                 <a:latin typeface="Minya Nouvelle" pitchFamily="2" charset="0"/>
               </a:rPr>
-              <a:t>, hindrar vi bokstaven från att skrivas ut</a:t>
-            </a:r>
+              <a:t>” fungerar också.</a:t>
+            </a:r>
+            <a:endParaRPr lang="sv-SE" dirty="0" smtClean="0">
+              <a:solidFill>
+                <a:srgbClr val="FF0000"/>
+              </a:solidFill>
+              <a:latin typeface="Minya Nouvelle" pitchFamily="2" charset="0"/>
+            </a:endParaRPr>
           </a:p>
         </p:txBody>
       </p:sp>
@@ -18717,7 +18729,7 @@
         </p:nvCxnSpPr>
         <p:spPr>
           <a:xfrm flipH="1" flipV="1">
-            <a:off x="2987824" y="4009628"/>
+            <a:off x="3563888" y="4081636"/>
             <a:ext cx="2376264" cy="173633"/>
           </a:xfrm>
           <a:prstGeom prst="straightConnector1">
@@ -18786,66 +18798,6 @@
           </a:extLst>
         </p:spPr>
       </p:pic>
-      <p:sp>
-        <p:nvSpPr>
-          <p:cNvPr id="3" name="TextBox 2"/>
-          <p:cNvSpPr txBox="1"/>
-          <p:nvPr/>
-        </p:nvSpPr>
-        <p:spPr>
-          <a:xfrm>
-            <a:off x="251520" y="4873724"/>
-            <a:ext cx="6197530" cy="646331"/>
-          </a:xfrm>
-          <a:prstGeom prst="rect">
-            <a:avLst/>
-          </a:prstGeom>
-          <a:noFill/>
-        </p:spPr>
-        <p:txBody>
-          <a:bodyPr wrap="none" rtlCol="0">
-            <a:spAutoFit/>
-          </a:bodyPr>
-          <a:lstStyle/>
-          <a:p>
-            <a:r>
-              <a:rPr lang="sv-SE" dirty="0" smtClean="0">
-                <a:latin typeface="Minya Nouvelle" pitchFamily="2" charset="0"/>
-              </a:rPr>
-              <a:t>Kopplar du hanteraren med </a:t>
-            </a:r>
-            <a:r>
-              <a:rPr lang="sv-SE" dirty="0" err="1" smtClean="0">
-                <a:latin typeface="Minya Nouvelle" pitchFamily="2" charset="0"/>
-              </a:rPr>
-              <a:t>addEventListener</a:t>
-            </a:r>
-            <a:r>
-              <a:rPr lang="sv-SE" dirty="0" smtClean="0">
-                <a:latin typeface="Minya Nouvelle" pitchFamily="2" charset="0"/>
-              </a:rPr>
-              <a:t> skriver du:</a:t>
-            </a:r>
-            <a:br>
-              <a:rPr lang="sv-SE" dirty="0" smtClean="0">
-                <a:latin typeface="Minya Nouvelle" pitchFamily="2" charset="0"/>
-              </a:rPr>
-            </a:br>
-            <a:r>
-              <a:rPr lang="sv-SE" dirty="0" err="1" smtClean="0">
-                <a:latin typeface="Minya Nouvelle" pitchFamily="2" charset="0"/>
-              </a:rPr>
-              <a:t>e.preventDefault</a:t>
-            </a:r>
-            <a:r>
-              <a:rPr lang="sv-SE" dirty="0" smtClean="0">
-                <a:latin typeface="Minya Nouvelle" pitchFamily="2" charset="0"/>
-              </a:rPr>
-              <a:t>();</a:t>
-            </a:r>
-          </a:p>
-        </p:txBody>
-      </p:sp>
     </p:spTree>
     <p:extLst>
       <p:ext uri="{BB962C8B-B14F-4D97-AF65-F5344CB8AC3E}">
@@ -18946,9 +18898,6 @@
               </a:rPr>
               <a:t> 498</a:t>
             </a:r>
-            <a:endParaRPr lang="en-US" dirty="0" smtClean="0">
-              <a:latin typeface="Minya Nouvelle" pitchFamily="2" charset="0"/>
-            </a:endParaRPr>
           </a:p>
         </p:txBody>
       </p:sp>
@@ -19477,12 +19426,6 @@
               </a:rPr>
               <a:t>};</a:t>
             </a:r>
-            <a:endParaRPr lang="sv-SE" sz="1600" dirty="0">
-              <a:solidFill>
-                <a:schemeClr val="tx1"/>
-              </a:solidFill>
-              <a:latin typeface="Courier New" pitchFamily="49" charset="0"/>
-            </a:endParaRPr>
           </a:p>
         </p:txBody>
       </p:sp>
@@ -20380,7 +20323,7 @@
         </p:nvSpPr>
         <p:spPr>
           <a:xfrm>
-            <a:off x="1691680" y="4981736"/>
+            <a:off x="899592" y="4585692"/>
             <a:ext cx="6480720" cy="468052"/>
           </a:xfrm>
           <a:prstGeom prst="rect">
@@ -20589,284 +20532,6 @@
               <a:latin typeface="Courier New" pitchFamily="49" charset="0"/>
               <a:cs typeface="Courier New" pitchFamily="49" charset="0"/>
             </a:endParaRPr>
-          </a:p>
-        </p:txBody>
-      </p:sp>
-      <p:pic>
-        <p:nvPicPr>
-          <p:cNvPr id="9" name="Picture 10" descr="http://www.favbrowser.com/wp-content/uploads/2010/08/internetexplorer7logo.png"/>
-          <p:cNvPicPr>
-            <a:picLocks noChangeAspect="1" noChangeArrowheads="1"/>
-          </p:cNvPicPr>
-          <p:nvPr/>
-        </p:nvPicPr>
-        <p:blipFill>
-          <a:blip r:embed="rId3" cstate="print">
-            <a:extLst>
-              <a:ext uri="{28A0092B-C50C-407E-A947-70E740481C1C}">
-                <a14:useLocalDpi xmlns:a14="http://schemas.microsoft.com/office/drawing/2010/main" val="0"/>
-              </a:ext>
-            </a:extLst>
-          </a:blip>
-          <a:srcRect/>
-          <a:stretch>
-            <a:fillRect/>
-          </a:stretch>
-        </p:blipFill>
-        <p:spPr bwMode="auto">
-          <a:xfrm>
-            <a:off x="323528" y="4441676"/>
-            <a:ext cx="864096" cy="864096"/>
-          </a:xfrm>
-          <a:prstGeom prst="rect">
-            <a:avLst/>
-          </a:prstGeom>
-          <a:noFill/>
-          <a:extLst>
-            <a:ext uri="{909E8E84-426E-40dd-AFC4-6F175D3DCCD1}">
-              <a14:hiddenFill xmlns:a14="http://schemas.microsoft.com/office/drawing/2010/main">
-                <a:solidFill>
-                  <a:srgbClr val="FFFFFF"/>
-                </a:solidFill>
-              </a14:hiddenFill>
-            </a:ext>
-          </a:extLst>
-        </p:spPr>
-      </p:pic>
-      <p:pic>
-        <p:nvPicPr>
-          <p:cNvPr id="10" name="Picture 2" descr="P:\Icons\48x48\shadow\warning.png"/>
-          <p:cNvPicPr>
-            <a:picLocks noChangeAspect="1" noChangeArrowheads="1"/>
-          </p:cNvPicPr>
-          <p:nvPr/>
-        </p:nvPicPr>
-        <p:blipFill>
-          <a:blip r:embed="rId4">
-            <a:extLst>
-              <a:ext uri="{28A0092B-C50C-407E-A947-70E740481C1C}">
-                <a14:useLocalDpi xmlns:a14="http://schemas.microsoft.com/office/drawing/2010/main" val="0"/>
-              </a:ext>
-            </a:extLst>
-          </a:blip>
-          <a:srcRect/>
-          <a:stretch>
-            <a:fillRect/>
-          </a:stretch>
-        </p:blipFill>
-        <p:spPr bwMode="auto">
-          <a:xfrm>
-            <a:off x="899592" y="4873724"/>
-            <a:ext cx="366986" cy="366986"/>
-          </a:xfrm>
-          <a:prstGeom prst="rect">
-            <a:avLst/>
-          </a:prstGeom>
-          <a:noFill/>
-          <a:extLst>
-            <a:ext uri="{909E8E84-426E-40dd-AFC4-6F175D3DCCD1}">
-              <a14:hiddenFill xmlns:a14="http://schemas.microsoft.com/office/drawing/2010/main">
-                <a:solidFill>
-                  <a:srgbClr val="FFFFFF"/>
-                </a:solidFill>
-              </a14:hiddenFill>
-            </a:ext>
-          </a:extLst>
-        </p:spPr>
-      </p:pic>
-      <p:sp>
-        <p:nvSpPr>
-          <p:cNvPr id="11" name="Subtitle 2"/>
-          <p:cNvSpPr txBox="1">
-            <a:spLocks/>
-          </p:cNvSpPr>
-          <p:nvPr/>
-        </p:nvSpPr>
-        <p:spPr>
-          <a:xfrm>
-            <a:off x="1619672" y="4369668"/>
-            <a:ext cx="6120680" cy="351656"/>
-          </a:xfrm>
-          <a:prstGeom prst="rect">
-            <a:avLst/>
-          </a:prstGeom>
-        </p:spPr>
-        <p:txBody>
-          <a:bodyPr/>
-          <a:lstStyle>
-            <a:lvl1pPr marL="0" indent="0" algn="l" defTabSz="914400" rtl="0" eaLnBrk="1" latinLnBrk="0" hangingPunct="1">
-              <a:spcBef>
-                <a:spcPct val="20000"/>
-              </a:spcBef>
-              <a:buFont typeface="Arial" pitchFamily="34" charset="0"/>
-              <a:buNone/>
-              <a:defRPr sz="2400" kern="1200">
-                <a:solidFill>
-                  <a:schemeClr val="tx1"/>
-                </a:solidFill>
-                <a:latin typeface="Minya Nouvelle" pitchFamily="2" charset="0"/>
-                <a:ea typeface="+mn-ea"/>
-                <a:cs typeface="+mn-cs"/>
-              </a:defRPr>
-            </a:lvl1pPr>
-            <a:lvl2pPr marL="457200" indent="0" algn="ctr" defTabSz="914400" rtl="0" eaLnBrk="1" latinLnBrk="0" hangingPunct="1">
-              <a:spcBef>
-                <a:spcPct val="20000"/>
-              </a:spcBef>
-              <a:buFont typeface="Arial" pitchFamily="34" charset="0"/>
-              <a:buNone/>
-              <a:defRPr sz="2800" kern="1200">
-                <a:solidFill>
-                  <a:schemeClr val="tx1">
-                    <a:tint val="75000"/>
-                  </a:schemeClr>
-                </a:solidFill>
-                <a:latin typeface="+mn-lt"/>
-                <a:ea typeface="+mn-ea"/>
-                <a:cs typeface="+mn-cs"/>
-              </a:defRPr>
-            </a:lvl2pPr>
-            <a:lvl3pPr marL="914400" indent="0" algn="ctr" defTabSz="914400" rtl="0" eaLnBrk="1" latinLnBrk="0" hangingPunct="1">
-              <a:spcBef>
-                <a:spcPct val="20000"/>
-              </a:spcBef>
-              <a:buFont typeface="Arial" pitchFamily="34" charset="0"/>
-              <a:buNone/>
-              <a:defRPr sz="2400" kern="1200">
-                <a:solidFill>
-                  <a:schemeClr val="tx1">
-                    <a:tint val="75000"/>
-                  </a:schemeClr>
-                </a:solidFill>
-                <a:latin typeface="+mn-lt"/>
-                <a:ea typeface="+mn-ea"/>
-                <a:cs typeface="+mn-cs"/>
-              </a:defRPr>
-            </a:lvl3pPr>
-            <a:lvl4pPr marL="1371600" indent="0" algn="ctr" defTabSz="914400" rtl="0" eaLnBrk="1" latinLnBrk="0" hangingPunct="1">
-              <a:spcBef>
-                <a:spcPct val="20000"/>
-              </a:spcBef>
-              <a:buFont typeface="Arial" pitchFamily="34" charset="0"/>
-              <a:buNone/>
-              <a:defRPr sz="2000" kern="1200">
-                <a:solidFill>
-                  <a:schemeClr val="tx1">
-                    <a:tint val="75000"/>
-                  </a:schemeClr>
-                </a:solidFill>
-                <a:latin typeface="+mn-lt"/>
-                <a:ea typeface="+mn-ea"/>
-                <a:cs typeface="+mn-cs"/>
-              </a:defRPr>
-            </a:lvl4pPr>
-            <a:lvl5pPr marL="1828800" indent="0" algn="ctr" defTabSz="914400" rtl="0" eaLnBrk="1" latinLnBrk="0" hangingPunct="1">
-              <a:spcBef>
-                <a:spcPct val="20000"/>
-              </a:spcBef>
-              <a:buFont typeface="Arial" pitchFamily="34" charset="0"/>
-              <a:buNone/>
-              <a:defRPr sz="2000" kern="1200">
-                <a:solidFill>
-                  <a:schemeClr val="tx1">
-                    <a:tint val="75000"/>
-                  </a:schemeClr>
-                </a:solidFill>
-                <a:latin typeface="+mn-lt"/>
-                <a:ea typeface="+mn-ea"/>
-                <a:cs typeface="+mn-cs"/>
-              </a:defRPr>
-            </a:lvl5pPr>
-            <a:lvl6pPr marL="2286000" indent="0" algn="ctr" defTabSz="914400" rtl="0" eaLnBrk="1" latinLnBrk="0" hangingPunct="1">
-              <a:spcBef>
-                <a:spcPct val="20000"/>
-              </a:spcBef>
-              <a:buFont typeface="Arial" pitchFamily="34" charset="0"/>
-              <a:buNone/>
-              <a:defRPr sz="2000" kern="1200">
-                <a:solidFill>
-                  <a:schemeClr val="tx1">
-                    <a:tint val="75000"/>
-                  </a:schemeClr>
-                </a:solidFill>
-                <a:latin typeface="+mn-lt"/>
-                <a:ea typeface="+mn-ea"/>
-                <a:cs typeface="+mn-cs"/>
-              </a:defRPr>
-            </a:lvl6pPr>
-            <a:lvl7pPr marL="2743200" indent="0" algn="ctr" defTabSz="914400" rtl="0" eaLnBrk="1" latinLnBrk="0" hangingPunct="1">
-              <a:spcBef>
-                <a:spcPct val="20000"/>
-              </a:spcBef>
-              <a:buFont typeface="Arial" pitchFamily="34" charset="0"/>
-              <a:buNone/>
-              <a:defRPr sz="2000" kern="1200">
-                <a:solidFill>
-                  <a:schemeClr val="tx1">
-                    <a:tint val="75000"/>
-                  </a:schemeClr>
-                </a:solidFill>
-                <a:latin typeface="+mn-lt"/>
-                <a:ea typeface="+mn-ea"/>
-                <a:cs typeface="+mn-cs"/>
-              </a:defRPr>
-            </a:lvl7pPr>
-            <a:lvl8pPr marL="3200400" indent="0" algn="ctr" defTabSz="914400" rtl="0" eaLnBrk="1" latinLnBrk="0" hangingPunct="1">
-              <a:spcBef>
-                <a:spcPct val="20000"/>
-              </a:spcBef>
-              <a:buFont typeface="Arial" pitchFamily="34" charset="0"/>
-              <a:buNone/>
-              <a:defRPr sz="2000" kern="1200">
-                <a:solidFill>
-                  <a:schemeClr val="tx1">
-                    <a:tint val="75000"/>
-                  </a:schemeClr>
-                </a:solidFill>
-                <a:latin typeface="+mn-lt"/>
-                <a:ea typeface="+mn-ea"/>
-                <a:cs typeface="+mn-cs"/>
-              </a:defRPr>
-            </a:lvl8pPr>
-            <a:lvl9pPr marL="3657600" indent="0" algn="ctr" defTabSz="914400" rtl="0" eaLnBrk="1" latinLnBrk="0" hangingPunct="1">
-              <a:spcBef>
-                <a:spcPct val="20000"/>
-              </a:spcBef>
-              <a:buFont typeface="Arial" pitchFamily="34" charset="0"/>
-              <a:buNone/>
-              <a:defRPr sz="2000" kern="1200">
-                <a:solidFill>
-                  <a:schemeClr val="tx1">
-                    <a:tint val="75000"/>
-                  </a:schemeClr>
-                </a:solidFill>
-                <a:latin typeface="+mn-lt"/>
-                <a:ea typeface="+mn-ea"/>
-                <a:cs typeface="+mn-cs"/>
-              </a:defRPr>
-            </a:lvl9pPr>
-          </a:lstStyle>
-          <a:p>
-            <a:r>
-              <a:rPr lang="sv-SE" sz="1800" dirty="0" smtClean="0"/>
-              <a:t>Tyvärr är det problem att använda style tillsammans med </a:t>
-            </a:r>
-            <a:r>
-              <a:rPr lang="sv-SE" sz="1800" dirty="0" err="1" smtClean="0"/>
-              <a:t>setAttribute</a:t>
-            </a:r>
-            <a:r>
-              <a:rPr lang="sv-SE" sz="1800" dirty="0" smtClean="0"/>
-              <a:t> i IE &lt;= </a:t>
-            </a:r>
-            <a:r>
-              <a:rPr lang="sv-SE" sz="1800" dirty="0" smtClean="0"/>
-              <a:t>7. Annars kan vi skriva:</a:t>
-            </a:r>
-            <a:endParaRPr lang="sv-SE" sz="1800" dirty="0" smtClean="0"/>
-          </a:p>
-          <a:p>
-            <a:endParaRPr lang="sv-SE" sz="2000" dirty="0" smtClean="0"/>
           </a:p>
         </p:txBody>
       </p:sp>
@@ -20935,111 +20600,6 @@
                                   </p:childTnLst>
                                 </p:cTn>
                               </p:par>
-                              <p:par>
-                                <p:cTn id="8" presetID="10" presetClass="entr" presetSubtype="0" fill="hold" nodeType="withEffect">
-                                  <p:stCondLst>
-                                    <p:cond delay="0"/>
-                                  </p:stCondLst>
-                                  <p:childTnLst>
-                                    <p:set>
-                                      <p:cBhvr>
-                                        <p:cTn id="9" dur="1" fill="hold">
-                                          <p:stCondLst>
-                                            <p:cond delay="0"/>
-                                          </p:stCondLst>
-                                        </p:cTn>
-                                        <p:tgtEl>
-                                          <p:spTgt spid="9"/>
-                                        </p:tgtEl>
-                                        <p:attrNameLst>
-                                          <p:attrName>style.visibility</p:attrName>
-                                        </p:attrNameLst>
-                                      </p:cBhvr>
-                                      <p:to>
-                                        <p:strVal val="visible"/>
-                                      </p:to>
-                                    </p:set>
-                                    <p:animEffect transition="in" filter="fade">
-                                      <p:cBhvr>
-                                        <p:cTn id="10" dur="500"/>
-                                        <p:tgtEl>
-                                          <p:spTgt spid="9"/>
-                                        </p:tgtEl>
-                                      </p:cBhvr>
-                                    </p:animEffect>
-                                  </p:childTnLst>
-                                </p:cTn>
-                              </p:par>
-                              <p:par>
-                                <p:cTn id="11" presetID="10" presetClass="entr" presetSubtype="0" fill="hold" nodeType="withEffect">
-                                  <p:stCondLst>
-                                    <p:cond delay="0"/>
-                                  </p:stCondLst>
-                                  <p:childTnLst>
-                                    <p:set>
-                                      <p:cBhvr>
-                                        <p:cTn id="12" dur="1" fill="hold">
-                                          <p:stCondLst>
-                                            <p:cond delay="0"/>
-                                          </p:stCondLst>
-                                        </p:cTn>
-                                        <p:tgtEl>
-                                          <p:spTgt spid="10"/>
-                                        </p:tgtEl>
-                                        <p:attrNameLst>
-                                          <p:attrName>style.visibility</p:attrName>
-                                        </p:attrNameLst>
-                                      </p:cBhvr>
-                                      <p:to>
-                                        <p:strVal val="visible"/>
-                                      </p:to>
-                                    </p:set>
-                                    <p:animEffect transition="in" filter="fade">
-                                      <p:cBhvr>
-                                        <p:cTn id="13" dur="500"/>
-                                        <p:tgtEl>
-                                          <p:spTgt spid="10"/>
-                                        </p:tgtEl>
-                                      </p:cBhvr>
-                                    </p:animEffect>
-                                  </p:childTnLst>
-                                </p:cTn>
-                              </p:par>
-                              <p:par>
-                                <p:cTn id="14" presetID="10" presetClass="entr" presetSubtype="0" fill="hold" grpId="0" nodeType="withEffect">
-                                  <p:stCondLst>
-                                    <p:cond delay="0"/>
-                                  </p:stCondLst>
-                                  <p:childTnLst>
-                                    <p:set>
-                                      <p:cBhvr>
-                                        <p:cTn id="15" dur="1" fill="hold">
-                                          <p:stCondLst>
-                                            <p:cond delay="0"/>
-                                          </p:stCondLst>
-                                        </p:cTn>
-                                        <p:tgtEl>
-                                          <p:spTgt spid="11"/>
-                                        </p:tgtEl>
-                                        <p:attrNameLst>
-                                          <p:attrName>style.visibility</p:attrName>
-                                        </p:attrNameLst>
-                                      </p:cBhvr>
-                                      <p:to>
-                                        <p:strVal val="visible"/>
-                                      </p:to>
-                                    </p:set>
-                                    <p:animEffect transition="in" filter="fade">
-                                      <p:cBhvr>
-                                        <p:cTn id="16" dur="500"/>
-                                        <p:tgtEl>
-                                          <p:spTgt spid="11"/>
-                                        </p:tgtEl>
-                                      </p:cBhvr>
-                                    </p:animEffect>
-                                  </p:childTnLst>
-                                </p:cTn>
-                              </p:par>
                             </p:childTnLst>
                           </p:cTn>
                         </p:par>
@@ -21069,7 +20629,6 @@
     </p:tnLst>
     <p:bldLst>
       <p:bldP spid="8" grpId="0" animBg="1"/>
-      <p:bldP spid="11" grpId="0"/>
     </p:bldLst>
   </p:timing>
 </p:sld>
@@ -22353,284 +21912,6 @@
       </p:sp>
       <p:pic>
         <p:nvPicPr>
-          <p:cNvPr id="10" name="Picture 10" descr="http://www.favbrowser.com/wp-content/uploads/2010/08/internetexplorer7logo.png"/>
-          <p:cNvPicPr>
-            <a:picLocks noChangeAspect="1" noChangeArrowheads="1"/>
-          </p:cNvPicPr>
-          <p:nvPr/>
-        </p:nvPicPr>
-        <p:blipFill>
-          <a:blip r:embed="rId3" cstate="print">
-            <a:extLst>
-              <a:ext uri="{28A0092B-C50C-407E-A947-70E740481C1C}">
-                <a14:useLocalDpi xmlns:a14="http://schemas.microsoft.com/office/drawing/2010/main" val="0"/>
-              </a:ext>
-            </a:extLst>
-          </a:blip>
-          <a:srcRect/>
-          <a:stretch>
-            <a:fillRect/>
-          </a:stretch>
-        </p:blipFill>
-        <p:spPr bwMode="auto">
-          <a:xfrm>
-            <a:off x="1998043" y="4945732"/>
-            <a:ext cx="576064" cy="576064"/>
-          </a:xfrm>
-          <a:prstGeom prst="rect">
-            <a:avLst/>
-          </a:prstGeom>
-          <a:noFill/>
-          <a:extLst>
-            <a:ext uri="{909E8E84-426E-40dd-AFC4-6F175D3DCCD1}">
-              <a14:hiddenFill xmlns:a14="http://schemas.microsoft.com/office/drawing/2010/main">
-                <a:solidFill>
-                  <a:srgbClr val="FFFFFF"/>
-                </a:solidFill>
-              </a14:hiddenFill>
-            </a:ext>
-          </a:extLst>
-        </p:spPr>
-      </p:pic>
-      <p:pic>
-        <p:nvPicPr>
-          <p:cNvPr id="11" name="Picture 2" descr="P:\Icons\48x48\shadow\warning.png"/>
-          <p:cNvPicPr>
-            <a:picLocks noChangeAspect="1" noChangeArrowheads="1"/>
-          </p:cNvPicPr>
-          <p:nvPr/>
-        </p:nvPicPr>
-        <p:blipFill>
-          <a:blip r:embed="rId4">
-            <a:extLst>
-              <a:ext uri="{28A0092B-C50C-407E-A947-70E740481C1C}">
-                <a14:useLocalDpi xmlns:a14="http://schemas.microsoft.com/office/drawing/2010/main" val="0"/>
-              </a:ext>
-            </a:extLst>
-          </a:blip>
-          <a:srcRect/>
-          <a:stretch>
-            <a:fillRect/>
-          </a:stretch>
-        </p:blipFill>
-        <p:spPr bwMode="auto">
-          <a:xfrm>
-            <a:off x="2387403" y="5248581"/>
-            <a:ext cx="322588" cy="322588"/>
-          </a:xfrm>
-          <a:prstGeom prst="rect">
-            <a:avLst/>
-          </a:prstGeom>
-          <a:noFill/>
-          <a:extLst>
-            <a:ext uri="{909E8E84-426E-40dd-AFC4-6F175D3DCCD1}">
-              <a14:hiddenFill xmlns:a14="http://schemas.microsoft.com/office/drawing/2010/main">
-                <a:solidFill>
-                  <a:srgbClr val="FFFFFF"/>
-                </a:solidFill>
-              </a14:hiddenFill>
-            </a:ext>
-          </a:extLst>
-        </p:spPr>
-      </p:pic>
-      <p:sp>
-        <p:nvSpPr>
-          <p:cNvPr id="12" name="Subtitle 2"/>
-          <p:cNvSpPr txBox="1">
-            <a:spLocks/>
-          </p:cNvSpPr>
-          <p:nvPr/>
-        </p:nvSpPr>
-        <p:spPr>
-          <a:xfrm>
-            <a:off x="2734853" y="4934676"/>
-            <a:ext cx="6120680" cy="612068"/>
-          </a:xfrm>
-          <a:prstGeom prst="rect">
-            <a:avLst/>
-          </a:prstGeom>
-        </p:spPr>
-        <p:txBody>
-          <a:bodyPr/>
-          <a:lstStyle>
-            <a:lvl1pPr marL="0" indent="0" algn="l" defTabSz="914400" rtl="0" eaLnBrk="1" latinLnBrk="0" hangingPunct="1">
-              <a:spcBef>
-                <a:spcPct val="20000"/>
-              </a:spcBef>
-              <a:buFont typeface="Arial" pitchFamily="34" charset="0"/>
-              <a:buNone/>
-              <a:defRPr sz="2400" kern="1200">
-                <a:solidFill>
-                  <a:schemeClr val="tx1"/>
-                </a:solidFill>
-                <a:latin typeface="Minya Nouvelle" pitchFamily="2" charset="0"/>
-                <a:ea typeface="+mn-ea"/>
-                <a:cs typeface="+mn-cs"/>
-              </a:defRPr>
-            </a:lvl1pPr>
-            <a:lvl2pPr marL="457200" indent="0" algn="ctr" defTabSz="914400" rtl="0" eaLnBrk="1" latinLnBrk="0" hangingPunct="1">
-              <a:spcBef>
-                <a:spcPct val="20000"/>
-              </a:spcBef>
-              <a:buFont typeface="Arial" pitchFamily="34" charset="0"/>
-              <a:buNone/>
-              <a:defRPr sz="2800" kern="1200">
-                <a:solidFill>
-                  <a:schemeClr val="tx1">
-                    <a:tint val="75000"/>
-                  </a:schemeClr>
-                </a:solidFill>
-                <a:latin typeface="+mn-lt"/>
-                <a:ea typeface="+mn-ea"/>
-                <a:cs typeface="+mn-cs"/>
-              </a:defRPr>
-            </a:lvl2pPr>
-            <a:lvl3pPr marL="914400" indent="0" algn="ctr" defTabSz="914400" rtl="0" eaLnBrk="1" latinLnBrk="0" hangingPunct="1">
-              <a:spcBef>
-                <a:spcPct val="20000"/>
-              </a:spcBef>
-              <a:buFont typeface="Arial" pitchFamily="34" charset="0"/>
-              <a:buNone/>
-              <a:defRPr sz="2400" kern="1200">
-                <a:solidFill>
-                  <a:schemeClr val="tx1">
-                    <a:tint val="75000"/>
-                  </a:schemeClr>
-                </a:solidFill>
-                <a:latin typeface="+mn-lt"/>
-                <a:ea typeface="+mn-ea"/>
-                <a:cs typeface="+mn-cs"/>
-              </a:defRPr>
-            </a:lvl3pPr>
-            <a:lvl4pPr marL="1371600" indent="0" algn="ctr" defTabSz="914400" rtl="0" eaLnBrk="1" latinLnBrk="0" hangingPunct="1">
-              <a:spcBef>
-                <a:spcPct val="20000"/>
-              </a:spcBef>
-              <a:buFont typeface="Arial" pitchFamily="34" charset="0"/>
-              <a:buNone/>
-              <a:defRPr sz="2000" kern="1200">
-                <a:solidFill>
-                  <a:schemeClr val="tx1">
-                    <a:tint val="75000"/>
-                  </a:schemeClr>
-                </a:solidFill>
-                <a:latin typeface="+mn-lt"/>
-                <a:ea typeface="+mn-ea"/>
-                <a:cs typeface="+mn-cs"/>
-              </a:defRPr>
-            </a:lvl4pPr>
-            <a:lvl5pPr marL="1828800" indent="0" algn="ctr" defTabSz="914400" rtl="0" eaLnBrk="1" latinLnBrk="0" hangingPunct="1">
-              <a:spcBef>
-                <a:spcPct val="20000"/>
-              </a:spcBef>
-              <a:buFont typeface="Arial" pitchFamily="34" charset="0"/>
-              <a:buNone/>
-              <a:defRPr sz="2000" kern="1200">
-                <a:solidFill>
-                  <a:schemeClr val="tx1">
-                    <a:tint val="75000"/>
-                  </a:schemeClr>
-                </a:solidFill>
-                <a:latin typeface="+mn-lt"/>
-                <a:ea typeface="+mn-ea"/>
-                <a:cs typeface="+mn-cs"/>
-              </a:defRPr>
-            </a:lvl5pPr>
-            <a:lvl6pPr marL="2286000" indent="0" algn="ctr" defTabSz="914400" rtl="0" eaLnBrk="1" latinLnBrk="0" hangingPunct="1">
-              <a:spcBef>
-                <a:spcPct val="20000"/>
-              </a:spcBef>
-              <a:buFont typeface="Arial" pitchFamily="34" charset="0"/>
-              <a:buNone/>
-              <a:defRPr sz="2000" kern="1200">
-                <a:solidFill>
-                  <a:schemeClr val="tx1">
-                    <a:tint val="75000"/>
-                  </a:schemeClr>
-                </a:solidFill>
-                <a:latin typeface="+mn-lt"/>
-                <a:ea typeface="+mn-ea"/>
-                <a:cs typeface="+mn-cs"/>
-              </a:defRPr>
-            </a:lvl6pPr>
-            <a:lvl7pPr marL="2743200" indent="0" algn="ctr" defTabSz="914400" rtl="0" eaLnBrk="1" latinLnBrk="0" hangingPunct="1">
-              <a:spcBef>
-                <a:spcPct val="20000"/>
-              </a:spcBef>
-              <a:buFont typeface="Arial" pitchFamily="34" charset="0"/>
-              <a:buNone/>
-              <a:defRPr sz="2000" kern="1200">
-                <a:solidFill>
-                  <a:schemeClr val="tx1">
-                    <a:tint val="75000"/>
-                  </a:schemeClr>
-                </a:solidFill>
-                <a:latin typeface="+mn-lt"/>
-                <a:ea typeface="+mn-ea"/>
-                <a:cs typeface="+mn-cs"/>
-              </a:defRPr>
-            </a:lvl7pPr>
-            <a:lvl8pPr marL="3200400" indent="0" algn="ctr" defTabSz="914400" rtl="0" eaLnBrk="1" latinLnBrk="0" hangingPunct="1">
-              <a:spcBef>
-                <a:spcPct val="20000"/>
-              </a:spcBef>
-              <a:buFont typeface="Arial" pitchFamily="34" charset="0"/>
-              <a:buNone/>
-              <a:defRPr sz="2000" kern="1200">
-                <a:solidFill>
-                  <a:schemeClr val="tx1">
-                    <a:tint val="75000"/>
-                  </a:schemeClr>
-                </a:solidFill>
-                <a:latin typeface="+mn-lt"/>
-                <a:ea typeface="+mn-ea"/>
-                <a:cs typeface="+mn-cs"/>
-              </a:defRPr>
-            </a:lvl8pPr>
-            <a:lvl9pPr marL="3657600" indent="0" algn="ctr" defTabSz="914400" rtl="0" eaLnBrk="1" latinLnBrk="0" hangingPunct="1">
-              <a:spcBef>
-                <a:spcPct val="20000"/>
-              </a:spcBef>
-              <a:buFont typeface="Arial" pitchFamily="34" charset="0"/>
-              <a:buNone/>
-              <a:defRPr sz="2000" kern="1200">
-                <a:solidFill>
-                  <a:schemeClr val="tx1">
-                    <a:tint val="75000"/>
-                  </a:schemeClr>
-                </a:solidFill>
-                <a:latin typeface="+mn-lt"/>
-                <a:ea typeface="+mn-ea"/>
-                <a:cs typeface="+mn-cs"/>
-              </a:defRPr>
-            </a:lvl9pPr>
-          </a:lstStyle>
-          <a:p>
-            <a:r>
-              <a:rPr lang="sv-SE" sz="1800" dirty="0" smtClean="0"/>
-              <a:t>Tyvärr är det problem att använda </a:t>
-            </a:r>
-            <a:r>
-              <a:rPr lang="sv-SE" sz="1800" dirty="0" err="1" smtClean="0"/>
-              <a:t>class</a:t>
-            </a:r>
-            <a:r>
-              <a:rPr lang="sv-SE" sz="1800" dirty="0" smtClean="0"/>
-              <a:t> tillsammans med </a:t>
-            </a:r>
-            <a:r>
-              <a:rPr lang="sv-SE" sz="1800" dirty="0" err="1" smtClean="0"/>
-              <a:t>setAttribute</a:t>
-            </a:r>
-            <a:r>
-              <a:rPr lang="sv-SE" sz="1800" dirty="0" smtClean="0"/>
-              <a:t> i IE &lt;= 7.</a:t>
-            </a:r>
-          </a:p>
-        </p:txBody>
-      </p:sp>
-      <p:pic>
-        <p:nvPicPr>
           <p:cNvPr id="13" name="Picture 12" descr="P:\Icons\48x48\shadow\text_tree.png"/>
           <p:cNvPicPr>
             <a:picLocks noChangeAspect="1" noChangeArrowheads="1"/>
@@ -22638,7 +21919,7 @@
           <p:nvPr/>
         </p:nvPicPr>
         <p:blipFill>
-          <a:blip r:embed="rId5">
+          <a:blip r:embed="rId3">
             <a:extLst>
               <a:ext uri="{28A0092B-C50C-407E-A947-70E740481C1C}">
                 <a14:useLocalDpi xmlns:a14="http://schemas.microsoft.com/office/drawing/2010/main" val="0"/>
@@ -22735,111 +22016,6 @@
                                   </p:childTnLst>
                                 </p:cTn>
                               </p:par>
-                              <p:par>
-                                <p:cTn id="8" presetID="10" presetClass="entr" presetSubtype="0" fill="hold" nodeType="withEffect">
-                                  <p:stCondLst>
-                                    <p:cond delay="0"/>
-                                  </p:stCondLst>
-                                  <p:childTnLst>
-                                    <p:set>
-                                      <p:cBhvr>
-                                        <p:cTn id="9" dur="1" fill="hold">
-                                          <p:stCondLst>
-                                            <p:cond delay="0"/>
-                                          </p:stCondLst>
-                                        </p:cTn>
-                                        <p:tgtEl>
-                                          <p:spTgt spid="10"/>
-                                        </p:tgtEl>
-                                        <p:attrNameLst>
-                                          <p:attrName>style.visibility</p:attrName>
-                                        </p:attrNameLst>
-                                      </p:cBhvr>
-                                      <p:to>
-                                        <p:strVal val="visible"/>
-                                      </p:to>
-                                    </p:set>
-                                    <p:animEffect transition="in" filter="fade">
-                                      <p:cBhvr>
-                                        <p:cTn id="10" dur="500"/>
-                                        <p:tgtEl>
-                                          <p:spTgt spid="10"/>
-                                        </p:tgtEl>
-                                      </p:cBhvr>
-                                    </p:animEffect>
-                                  </p:childTnLst>
-                                </p:cTn>
-                              </p:par>
-                              <p:par>
-                                <p:cTn id="11" presetID="10" presetClass="entr" presetSubtype="0" fill="hold" nodeType="withEffect">
-                                  <p:stCondLst>
-                                    <p:cond delay="0"/>
-                                  </p:stCondLst>
-                                  <p:childTnLst>
-                                    <p:set>
-                                      <p:cBhvr>
-                                        <p:cTn id="12" dur="1" fill="hold">
-                                          <p:stCondLst>
-                                            <p:cond delay="0"/>
-                                          </p:stCondLst>
-                                        </p:cTn>
-                                        <p:tgtEl>
-                                          <p:spTgt spid="11"/>
-                                        </p:tgtEl>
-                                        <p:attrNameLst>
-                                          <p:attrName>style.visibility</p:attrName>
-                                        </p:attrNameLst>
-                                      </p:cBhvr>
-                                      <p:to>
-                                        <p:strVal val="visible"/>
-                                      </p:to>
-                                    </p:set>
-                                    <p:animEffect transition="in" filter="fade">
-                                      <p:cBhvr>
-                                        <p:cTn id="13" dur="500"/>
-                                        <p:tgtEl>
-                                          <p:spTgt spid="11"/>
-                                        </p:tgtEl>
-                                      </p:cBhvr>
-                                    </p:animEffect>
-                                  </p:childTnLst>
-                                </p:cTn>
-                              </p:par>
-                              <p:par>
-                                <p:cTn id="14" presetID="10" presetClass="entr" presetSubtype="0" fill="hold" grpId="0" nodeType="withEffect">
-                                  <p:stCondLst>
-                                    <p:cond delay="0"/>
-                                  </p:stCondLst>
-                                  <p:childTnLst>
-                                    <p:set>
-                                      <p:cBhvr>
-                                        <p:cTn id="15" dur="1" fill="hold">
-                                          <p:stCondLst>
-                                            <p:cond delay="0"/>
-                                          </p:stCondLst>
-                                        </p:cTn>
-                                        <p:tgtEl>
-                                          <p:spTgt spid="12"/>
-                                        </p:tgtEl>
-                                        <p:attrNameLst>
-                                          <p:attrName>style.visibility</p:attrName>
-                                        </p:attrNameLst>
-                                      </p:cBhvr>
-                                      <p:to>
-                                        <p:strVal val="visible"/>
-                                      </p:to>
-                                    </p:set>
-                                    <p:animEffect transition="in" filter="fade">
-                                      <p:cBhvr>
-                                        <p:cTn id="16" dur="500"/>
-                                        <p:tgtEl>
-                                          <p:spTgt spid="12"/>
-                                        </p:tgtEl>
-                                      </p:cBhvr>
-                                    </p:animEffect>
-                                  </p:childTnLst>
-                                </p:cTn>
-                              </p:par>
                             </p:childTnLst>
                           </p:cTn>
                         </p:par>
@@ -22869,7 +22045,6 @@
     </p:tnLst>
     <p:bldLst>
       <p:bldP spid="9" grpId="0" animBg="1"/>
-      <p:bldP spid="12" grpId="0"/>
     </p:bldLst>
   </p:timing>
 </p:sld>
